--- a/Presentation/Presentation-Sample.pptx
+++ b/Presentation/Presentation-Sample.pptx
@@ -5,21 +5,20 @@
     <p:sldMasterId id="2147483648" r:id="rId1"/>
   </p:sldMasterIdLst>
   <p:notesMasterIdLst>
-    <p:notesMasterId r:id="rId11"/>
+    <p:notesMasterId r:id="rId10"/>
   </p:notesMasterIdLst>
   <p:handoutMasterIdLst>
-    <p:handoutMasterId r:id="rId12"/>
+    <p:handoutMasterId r:id="rId11"/>
   </p:handoutMasterIdLst>
   <p:sldIdLst>
     <p:sldId id="289" r:id="rId2"/>
-    <p:sldId id="3210" r:id="rId3"/>
-    <p:sldId id="3219" r:id="rId4"/>
-    <p:sldId id="3192" r:id="rId5"/>
-    <p:sldId id="3214" r:id="rId6"/>
-    <p:sldId id="3217" r:id="rId7"/>
-    <p:sldId id="3221" r:id="rId8"/>
-    <p:sldId id="3212" r:id="rId9"/>
-    <p:sldId id="3220" r:id="rId10"/>
+    <p:sldId id="3219" r:id="rId3"/>
+    <p:sldId id="3192" r:id="rId4"/>
+    <p:sldId id="3214" r:id="rId5"/>
+    <p:sldId id="3217" r:id="rId6"/>
+    <p:sldId id="3221" r:id="rId7"/>
+    <p:sldId id="3212" r:id="rId8"/>
+    <p:sldId id="3220" r:id="rId9"/>
   </p:sldIdLst>
   <p:sldSz cx="12192000" cy="6858000"/>
   <p:notesSz cx="6858000" cy="9144000"/>
@@ -124,7 +123,6 @@
         <p14:section name="Default Section" id="{20B4A74C-F69A-40BF-868C-AE17408811A6}">
           <p14:sldIdLst>
             <p14:sldId id="289"/>
-            <p14:sldId id="3210"/>
             <p14:sldId id="3219"/>
             <p14:sldId id="3192"/>
             <p14:sldId id="3214"/>
@@ -2237,7 +2235,7 @@
           <a:p>
             <a:fld id="{B08732D1-0119-4424-ADB1-6A88624C9257}" type="datetimeFigureOut">
               <a:rPr lang="en-GB" smtClean="0"/>
-              <a:t>08/05/2022</a:t>
+              <a:t>09/05/2022</a:t>
             </a:fld>
             <a:endParaRPr lang="en-GB"/>
           </a:p>
@@ -2402,7 +2400,7 @@
           <a:p>
             <a:fld id="{E3654FE6-3F31-4904-9137-AFF662B7D702}" type="datetimeFigureOut">
               <a:rPr lang="en-GB" smtClean="0"/>
-              <a:t>08/05/2022</a:t>
+              <a:t>09/05/2022</a:t>
             </a:fld>
             <a:endParaRPr lang="en-GB"/>
           </a:p>
@@ -2800,10 +2798,7 @@
           <a:bodyPr/>
           <a:lstStyle/>
           <a:p>
-            <a:endParaRPr lang="en-US" dirty="0">
-              <a:ea typeface="Calibri"/>
-              <a:cs typeface="Calibri"/>
-            </a:endParaRPr>
+            <a:endParaRPr lang="en-US" dirty="0"/>
           </a:p>
         </p:txBody>
       </p:sp>
@@ -2833,7 +2828,7 @@
     </p:spTree>
     <p:extLst>
       <p:ext uri="{BB962C8B-B14F-4D97-AF65-F5344CB8AC3E}">
-        <p14:creationId xmlns:p14="http://schemas.microsoft.com/office/powerpoint/2010/main" val="2753094533"/>
+        <p14:creationId xmlns:p14="http://schemas.microsoft.com/office/powerpoint/2010/main" val="4001245967"/>
       </p:ext>
     </p:extLst>
   </p:cSld>
@@ -2917,7 +2912,7 @@
     </p:spTree>
     <p:extLst>
       <p:ext uri="{BB962C8B-B14F-4D97-AF65-F5344CB8AC3E}">
-        <p14:creationId xmlns:p14="http://schemas.microsoft.com/office/powerpoint/2010/main" val="4001245967"/>
+        <p14:creationId xmlns:p14="http://schemas.microsoft.com/office/powerpoint/2010/main" val="4025924669"/>
       </p:ext>
     </p:extLst>
   </p:cSld>
@@ -3001,7 +2996,7 @@
     </p:spTree>
     <p:extLst>
       <p:ext uri="{BB962C8B-B14F-4D97-AF65-F5344CB8AC3E}">
-        <p14:creationId xmlns:p14="http://schemas.microsoft.com/office/powerpoint/2010/main" val="4025924669"/>
+        <p14:creationId xmlns:p14="http://schemas.microsoft.com/office/powerpoint/2010/main" val="2497841550"/>
       </p:ext>
     </p:extLst>
   </p:cSld>
@@ -3055,7 +3050,10 @@
           <a:bodyPr/>
           <a:lstStyle/>
           <a:p>
-            <a:endParaRPr lang="en-US" dirty="0"/>
+            <a:endParaRPr lang="en-US" dirty="0">
+              <a:ea typeface="Calibri"/>
+              <a:cs typeface="Calibri"/>
+            </a:endParaRPr>
           </a:p>
         </p:txBody>
       </p:sp>
@@ -3085,7 +3083,7 @@
     </p:spTree>
     <p:extLst>
       <p:ext uri="{BB962C8B-B14F-4D97-AF65-F5344CB8AC3E}">
-        <p14:creationId xmlns:p14="http://schemas.microsoft.com/office/powerpoint/2010/main" val="2497841550"/>
+        <p14:creationId xmlns:p14="http://schemas.microsoft.com/office/powerpoint/2010/main" val="53185411"/>
       </p:ext>
     </p:extLst>
   </p:cSld>
@@ -3172,7 +3170,7 @@
     </p:spTree>
     <p:extLst>
       <p:ext uri="{BB962C8B-B14F-4D97-AF65-F5344CB8AC3E}">
-        <p14:creationId xmlns:p14="http://schemas.microsoft.com/office/powerpoint/2010/main" val="53185411"/>
+        <p14:creationId xmlns:p14="http://schemas.microsoft.com/office/powerpoint/2010/main" val="4223826036"/>
       </p:ext>
     </p:extLst>
   </p:cSld>
@@ -3259,7 +3257,7 @@
     </p:spTree>
     <p:extLst>
       <p:ext uri="{BB962C8B-B14F-4D97-AF65-F5344CB8AC3E}">
-        <p14:creationId xmlns:p14="http://schemas.microsoft.com/office/powerpoint/2010/main" val="4223826036"/>
+        <p14:creationId xmlns:p14="http://schemas.microsoft.com/office/powerpoint/2010/main" val="1263988629"/>
       </p:ext>
     </p:extLst>
   </p:cSld>
@@ -3338,93 +3336,6 @@
             <a:fld id="{7DB9E1F4-77C1-461E-ABFF-BFE7DD57AFD2}" type="slidenum">
               <a:rPr lang="en-GB" smtClean="0"/>
               <a:t>9</a:t>
-            </a:fld>
-            <a:endParaRPr lang="en-GB"/>
-          </a:p>
-        </p:txBody>
-      </p:sp>
-    </p:spTree>
-    <p:extLst>
-      <p:ext uri="{BB962C8B-B14F-4D97-AF65-F5344CB8AC3E}">
-        <p14:creationId xmlns:p14="http://schemas.microsoft.com/office/powerpoint/2010/main" val="1263988629"/>
-      </p:ext>
-    </p:extLst>
-  </p:cSld>
-  <p:clrMapOvr>
-    <a:masterClrMapping/>
-  </p:clrMapOvr>
-</p:notes>
-</file>
-
-<file path=ppt/notesSlides/notesSlide9.xml><?xml version="1.0" encoding="utf-8"?>
-<p:notes xmlns:a="http://schemas.openxmlformats.org/drawingml/2006/main" xmlns:r="http://schemas.openxmlformats.org/officeDocument/2006/relationships" xmlns:p="http://schemas.openxmlformats.org/presentationml/2006/main">
-  <p:cSld>
-    <p:spTree>
-      <p:nvGrpSpPr>
-        <p:cNvPr id="1" name=""/>
-        <p:cNvGrpSpPr/>
-        <p:nvPr/>
-      </p:nvGrpSpPr>
-      <p:grpSpPr>
-        <a:xfrm>
-          <a:off x="0" y="0"/>
-          <a:ext cx="0" cy="0"/>
-          <a:chOff x="0" y="0"/>
-          <a:chExt cx="0" cy="0"/>
-        </a:xfrm>
-      </p:grpSpPr>
-      <p:sp>
-        <p:nvSpPr>
-          <p:cNvPr id="2" name="Slide Image Placeholder 1"/>
-          <p:cNvSpPr>
-            <a:spLocks noGrp="1" noRot="1" noChangeAspect="1"/>
-          </p:cNvSpPr>
-          <p:nvPr>
-            <p:ph type="sldImg"/>
-          </p:nvPr>
-        </p:nvSpPr>
-        <p:spPr/>
-      </p:sp>
-      <p:sp>
-        <p:nvSpPr>
-          <p:cNvPr id="3" name="Notes Placeholder 2"/>
-          <p:cNvSpPr>
-            <a:spLocks noGrp="1"/>
-          </p:cNvSpPr>
-          <p:nvPr>
-            <p:ph type="body" idx="1"/>
-          </p:nvPr>
-        </p:nvSpPr>
-        <p:spPr/>
-        <p:txBody>
-          <a:bodyPr/>
-          <a:lstStyle/>
-          <a:p>
-            <a:endParaRPr lang="en-US" dirty="0">
-              <a:ea typeface="Calibri"/>
-              <a:cs typeface="Calibri"/>
-            </a:endParaRPr>
-          </a:p>
-        </p:txBody>
-      </p:sp>
-      <p:sp>
-        <p:nvSpPr>
-          <p:cNvPr id="4" name="Slide Number Placeholder 3"/>
-          <p:cNvSpPr>
-            <a:spLocks noGrp="1"/>
-          </p:cNvSpPr>
-          <p:nvPr>
-            <p:ph type="sldNum" sz="quarter" idx="5"/>
-          </p:nvPr>
-        </p:nvSpPr>
-        <p:spPr/>
-        <p:txBody>
-          <a:bodyPr/>
-          <a:lstStyle/>
-          <a:p>
-            <a:fld id="{7DB9E1F4-77C1-461E-ABFF-BFE7DD57AFD2}" type="slidenum">
-              <a:rPr lang="en-GB" smtClean="0"/>
-              <a:t>10</a:t>
             </a:fld>
             <a:endParaRPr lang="en-GB"/>
           </a:p>
@@ -7229,8 +7140,8 @@
         </p:nvSpPr>
         <p:spPr>
           <a:xfrm>
-            <a:off x="6645897" y="5260157"/>
-            <a:ext cx="2124780" cy="858824"/>
+            <a:off x="3476625" y="5269682"/>
+            <a:ext cx="3370002" cy="858824"/>
           </a:xfrm>
           <a:prstGeom prst="rect">
             <a:avLst/>
@@ -7238,7 +7149,7 @@
         </p:spPr>
         <p:txBody>
           <a:bodyPr vert="horz" lIns="91440" tIns="45720" rIns="91440" bIns="45720" rtlCol="0" anchor="ctr">
-            <a:normAutofit/>
+            <a:normAutofit fontScale="85000" lnSpcReduction="10000"/>
           </a:bodyPr>
           <a:lstStyle>
             <a:lvl1pPr algn="ctr" defTabSz="914400" rtl="0" eaLnBrk="1" latinLnBrk="0" hangingPunct="1">
@@ -7268,9 +7179,15 @@
               </a:rPr>
               <a:t>Srushanth Baride</a:t>
             </a:r>
-            <a:endParaRPr lang="en-GB" sz="1800" dirty="0">
-              <a:cs typeface="Arial"/>
-            </a:endParaRPr>
+          </a:p>
+          <a:p>
+            <a:pPr algn="l"/>
+            <a:r>
+              <a:rPr lang="en-GB" sz="1800" dirty="0">
+                <a:cs typeface="Arial"/>
+              </a:rPr>
+              <a:t>MSc Machine Learning in Science</a:t>
+            </a:r>
           </a:p>
           <a:p>
             <a:pPr algn="l"/>
@@ -7330,7 +7247,7 @@
           <p:cNvPr id="2" name="Title 1">
             <a:extLst>
               <a:ext uri="{FF2B5EF4-FFF2-40B4-BE49-F238E27FC236}">
-                <a16:creationId xmlns:a16="http://schemas.microsoft.com/office/drawing/2014/main" id="{A63368E5-D949-7D4A-A208-46C0DD64FAB4}"/>
+                <a16:creationId xmlns:a16="http://schemas.microsoft.com/office/drawing/2014/main" id="{8090C6C1-9456-F9AE-A056-28A2F7BAF256}"/>
               </a:ext>
             </a:extLst>
           </p:cNvPr>
@@ -7347,18 +7264,21 @@
           <a:lstStyle/>
           <a:p>
             <a:r>
-              <a:rPr lang="en-US" dirty="0"/>
-              <a:t>Who am I</a:t>
+              <a:rPr lang="en-US" dirty="0">
+                <a:cs typeface="Arial"/>
+              </a:rPr>
+              <a:t>Table of Contents</a:t>
             </a:r>
+            <a:endParaRPr lang="en-US" dirty="0"/>
           </a:p>
         </p:txBody>
       </p:sp>
       <p:sp>
         <p:nvSpPr>
-          <p:cNvPr id="4" name="Content Placeholder 2">
+          <p:cNvPr id="5" name="Content Placeholder 2">
             <a:extLst>
               <a:ext uri="{FF2B5EF4-FFF2-40B4-BE49-F238E27FC236}">
-                <a16:creationId xmlns:a16="http://schemas.microsoft.com/office/drawing/2014/main" id="{85E7C9DC-81A3-A127-28A0-30C665D71A01}"/>
+                <a16:creationId xmlns:a16="http://schemas.microsoft.com/office/drawing/2014/main" id="{EEFEB994-B91D-61E2-12A0-973EA8D03974}"/>
               </a:ext>
             </a:extLst>
           </p:cNvPr>
@@ -7369,8 +7289,8 @@
         </p:nvSpPr>
         <p:spPr>
           <a:xfrm>
-            <a:off x="780585" y="1488688"/>
-            <a:ext cx="4064792" cy="981136"/>
+            <a:off x="2107788" y="2284241"/>
+            <a:ext cx="7976424" cy="2289517"/>
           </a:xfrm>
           <a:prstGeom prst="rect">
             <a:avLst/>
@@ -7543,1568 +7463,53 @@
             </a:lvl9pPr>
           </a:lstStyle>
           <a:p>
-            <a:pPr>
-              <a:buFont typeface="Wingdings,Sans-Serif"/>
-              <a:buChar char="q"/>
-            </a:pPr>
+            <a:pPr lvl="2"/>
             <a:r>
-              <a:rPr lang="en-GB" dirty="0">
+              <a:rPr lang="en-GB" sz="2800" dirty="0">
                 <a:latin typeface="Calibri"/>
                 <a:cs typeface="Calibri"/>
               </a:rPr>
-              <a:t> Srushanth Baride</a:t>
+              <a:t>Steps taken</a:t>
             </a:r>
           </a:p>
           <a:p>
-            <a:pPr lvl="1">
-              <a:buFont typeface="Wingdings,Sans-Serif"/>
-              <a:buChar char="Ø"/>
-            </a:pPr>
+            <a:pPr lvl="2"/>
             <a:r>
-              <a:rPr lang="en-GB" dirty="0">
+              <a:rPr lang="en-GB" sz="2800" dirty="0">
                 <a:latin typeface="Calibri"/>
                 <a:cs typeface="Calibri"/>
               </a:rPr>
-              <a:t>   Physics and Astronomy</a:t>
+              <a:t>Pre-Processing</a:t>
             </a:r>
-            <a:endParaRPr lang="en-GB" dirty="0"/>
-          </a:p>
-        </p:txBody>
-      </p:sp>
-      <p:sp>
-        <p:nvSpPr>
-          <p:cNvPr id="3" name="Oval 2">
-            <a:extLst>
-              <a:ext uri="{FF2B5EF4-FFF2-40B4-BE49-F238E27FC236}">
-                <a16:creationId xmlns:a16="http://schemas.microsoft.com/office/drawing/2014/main" id="{DFDC2089-F4F0-86B6-3BDA-137F07F52810}"/>
-              </a:ext>
-            </a:extLst>
-          </p:cNvPr>
-          <p:cNvSpPr/>
-          <p:nvPr/>
-        </p:nvSpPr>
-        <p:spPr>
-          <a:xfrm>
-            <a:off x="867266" y="3412500"/>
-            <a:ext cx="273378" cy="273378"/>
-          </a:xfrm>
-          <a:prstGeom prst="ellipse">
-            <a:avLst/>
-          </a:prstGeom>
-          <a:gradFill flip="none" rotWithShape="1">
-            <a:gsLst>
-              <a:gs pos="70000">
-                <a:srgbClr val="00487E">
-                  <a:lumMod val="85000"/>
-                  <a:lumOff val="15000"/>
-                </a:srgbClr>
-              </a:gs>
-              <a:gs pos="17000">
-                <a:schemeClr val="accent1"/>
-              </a:gs>
-              <a:gs pos="100000">
-                <a:schemeClr val="accent1">
-                  <a:lumMod val="75000"/>
-                </a:schemeClr>
-              </a:gs>
-            </a:gsLst>
-            <a:lin ang="0" scaled="1"/>
-            <a:tileRect/>
-          </a:gradFill>
-          <a:ln>
-            <a:noFill/>
-          </a:ln>
-        </p:spPr>
-        <p:style>
-          <a:lnRef idx="2">
-            <a:schemeClr val="accent1">
-              <a:shade val="50000"/>
-            </a:schemeClr>
-          </a:lnRef>
-          <a:fillRef idx="1">
-            <a:schemeClr val="accent1"/>
-          </a:fillRef>
-          <a:effectRef idx="0">
-            <a:schemeClr val="accent1"/>
-          </a:effectRef>
-          <a:fontRef idx="minor">
-            <a:schemeClr val="lt1"/>
-          </a:fontRef>
-        </p:style>
-        <p:txBody>
-          <a:bodyPr rtlCol="0" anchor="ctr"/>
-          <a:lstStyle/>
-          <a:p>
-            <a:pPr algn="ctr"/>
-            <a:endParaRPr lang="en-IN" sz="2400" b="1" dirty="0">
-              <a:latin typeface="+mj-lt"/>
-            </a:endParaRPr>
-          </a:p>
-        </p:txBody>
-      </p:sp>
-      <p:sp>
-        <p:nvSpPr>
-          <p:cNvPr id="5" name="Content Placeholder 2">
-            <a:extLst>
-              <a:ext uri="{FF2B5EF4-FFF2-40B4-BE49-F238E27FC236}">
-                <a16:creationId xmlns:a16="http://schemas.microsoft.com/office/drawing/2014/main" id="{3CFBA537-392D-4180-C6D9-153B3795030A}"/>
-              </a:ext>
-            </a:extLst>
-          </p:cNvPr>
-          <p:cNvSpPr txBox="1">
-            <a:spLocks/>
-          </p:cNvSpPr>
-          <p:nvPr/>
-        </p:nvSpPr>
-        <p:spPr>
-          <a:xfrm>
-            <a:off x="1154513" y="3337909"/>
-            <a:ext cx="4941488" cy="1394343"/>
-          </a:xfrm>
-          <a:prstGeom prst="rect">
-            <a:avLst/>
-          </a:prstGeom>
-        </p:spPr>
-        <p:txBody>
-          <a:bodyPr lIns="91440" tIns="45720" rIns="91440" bIns="45720" anchor="t"/>
-          <a:lstStyle>
-            <a:lvl1pPr marL="228600" indent="-228600" algn="l" defTabSz="914400" rtl="0" eaLnBrk="1" latinLnBrk="0" hangingPunct="1">
-              <a:lnSpc>
-                <a:spcPct val="90000"/>
-              </a:lnSpc>
-              <a:spcBef>
-                <a:spcPts val="1000"/>
-              </a:spcBef>
-              <a:buFont typeface="Arial" panose="020B0604020202020204" pitchFamily="34" charset="0"/>
-              <a:buChar char="•"/>
-              <a:defRPr sz="2800" kern="1200">
-                <a:solidFill>
-                  <a:schemeClr val="tx1"/>
-                </a:solidFill>
-                <a:latin typeface="+mn-lt"/>
-                <a:ea typeface="+mn-ea"/>
-                <a:cs typeface="+mn-cs"/>
-              </a:defRPr>
-            </a:lvl1pPr>
-            <a:lvl2pPr marL="685800" indent="-228600" algn="l" defTabSz="914400" rtl="0" eaLnBrk="1" latinLnBrk="0" hangingPunct="1">
-              <a:lnSpc>
-                <a:spcPct val="90000"/>
-              </a:lnSpc>
-              <a:spcBef>
-                <a:spcPts val="500"/>
-              </a:spcBef>
-              <a:buFont typeface="Arial" panose="020B0604020202020204" pitchFamily="34" charset="0"/>
-              <a:buChar char="•"/>
-              <a:defRPr sz="2400" kern="1200">
-                <a:solidFill>
-                  <a:schemeClr val="tx1"/>
-                </a:solidFill>
-                <a:latin typeface="+mn-lt"/>
-                <a:ea typeface="+mn-ea"/>
-                <a:cs typeface="+mn-cs"/>
-              </a:defRPr>
-            </a:lvl2pPr>
-            <a:lvl3pPr marL="1143000" indent="-228600" algn="l" defTabSz="914400" rtl="0" eaLnBrk="1" latinLnBrk="0" hangingPunct="1">
-              <a:lnSpc>
-                <a:spcPct val="90000"/>
-              </a:lnSpc>
-              <a:spcBef>
-                <a:spcPts val="500"/>
-              </a:spcBef>
-              <a:buFont typeface="Arial" panose="020B0604020202020204" pitchFamily="34" charset="0"/>
-              <a:buChar char="•"/>
-              <a:defRPr sz="2000" kern="1200">
-                <a:solidFill>
-                  <a:schemeClr val="tx1"/>
-                </a:solidFill>
-                <a:latin typeface="+mn-lt"/>
-                <a:ea typeface="+mn-ea"/>
-                <a:cs typeface="+mn-cs"/>
-              </a:defRPr>
-            </a:lvl3pPr>
-            <a:lvl4pPr marL="1600200" indent="-228600" algn="l" defTabSz="914400" rtl="0" eaLnBrk="1" latinLnBrk="0" hangingPunct="1">
-              <a:lnSpc>
-                <a:spcPct val="90000"/>
-              </a:lnSpc>
-              <a:spcBef>
-                <a:spcPts val="500"/>
-              </a:spcBef>
-              <a:buFont typeface="Arial" panose="020B0604020202020204" pitchFamily="34" charset="0"/>
-              <a:buChar char="•"/>
-              <a:defRPr sz="1800" kern="1200">
-                <a:solidFill>
-                  <a:schemeClr val="tx1"/>
-                </a:solidFill>
-                <a:latin typeface="+mn-lt"/>
-                <a:ea typeface="+mn-ea"/>
-                <a:cs typeface="+mn-cs"/>
-              </a:defRPr>
-            </a:lvl4pPr>
-            <a:lvl5pPr marL="2057400" indent="-228600" algn="l" defTabSz="914400" rtl="0" eaLnBrk="1" latinLnBrk="0" hangingPunct="1">
-              <a:lnSpc>
-                <a:spcPct val="90000"/>
-              </a:lnSpc>
-              <a:spcBef>
-                <a:spcPts val="500"/>
-              </a:spcBef>
-              <a:buFont typeface="Arial" panose="020B0604020202020204" pitchFamily="34" charset="0"/>
-              <a:buChar char="•"/>
-              <a:defRPr sz="1800" kern="1200">
-                <a:solidFill>
-                  <a:schemeClr val="tx1"/>
-                </a:solidFill>
-                <a:latin typeface="+mn-lt"/>
-                <a:ea typeface="+mn-ea"/>
-                <a:cs typeface="+mn-cs"/>
-              </a:defRPr>
-            </a:lvl5pPr>
-            <a:lvl6pPr marL="2514600" indent="-228600" algn="l" defTabSz="914400" rtl="0" eaLnBrk="1" latinLnBrk="0" hangingPunct="1">
-              <a:lnSpc>
-                <a:spcPct val="90000"/>
-              </a:lnSpc>
-              <a:spcBef>
-                <a:spcPts val="500"/>
-              </a:spcBef>
-              <a:buFont typeface="Arial" panose="020B0604020202020204" pitchFamily="34" charset="0"/>
-              <a:buChar char="•"/>
-              <a:defRPr sz="1800" kern="1200">
-                <a:solidFill>
-                  <a:schemeClr val="tx1"/>
-                </a:solidFill>
-                <a:latin typeface="+mn-lt"/>
-                <a:ea typeface="+mn-ea"/>
-                <a:cs typeface="+mn-cs"/>
-              </a:defRPr>
-            </a:lvl6pPr>
-            <a:lvl7pPr marL="2971800" indent="-228600" algn="l" defTabSz="914400" rtl="0" eaLnBrk="1" latinLnBrk="0" hangingPunct="1">
-              <a:lnSpc>
-                <a:spcPct val="90000"/>
-              </a:lnSpc>
-              <a:spcBef>
-                <a:spcPts val="500"/>
-              </a:spcBef>
-              <a:buFont typeface="Arial" panose="020B0604020202020204" pitchFamily="34" charset="0"/>
-              <a:buChar char="•"/>
-              <a:defRPr sz="1800" kern="1200">
-                <a:solidFill>
-                  <a:schemeClr val="tx1"/>
-                </a:solidFill>
-                <a:latin typeface="+mn-lt"/>
-                <a:ea typeface="+mn-ea"/>
-                <a:cs typeface="+mn-cs"/>
-              </a:defRPr>
-            </a:lvl7pPr>
-            <a:lvl8pPr marL="3429000" indent="-228600" algn="l" defTabSz="914400" rtl="0" eaLnBrk="1" latinLnBrk="0" hangingPunct="1">
-              <a:lnSpc>
-                <a:spcPct val="90000"/>
-              </a:lnSpc>
-              <a:spcBef>
-                <a:spcPts val="500"/>
-              </a:spcBef>
-              <a:buFont typeface="Arial" panose="020B0604020202020204" pitchFamily="34" charset="0"/>
-              <a:buChar char="•"/>
-              <a:defRPr sz="1800" kern="1200">
-                <a:solidFill>
-                  <a:schemeClr val="tx1"/>
-                </a:solidFill>
-                <a:latin typeface="+mn-lt"/>
-                <a:ea typeface="+mn-ea"/>
-                <a:cs typeface="+mn-cs"/>
-              </a:defRPr>
-            </a:lvl8pPr>
-            <a:lvl9pPr marL="3886200" indent="-228600" algn="l" defTabSz="914400" rtl="0" eaLnBrk="1" latinLnBrk="0" hangingPunct="1">
-              <a:lnSpc>
-                <a:spcPct val="90000"/>
-              </a:lnSpc>
-              <a:spcBef>
-                <a:spcPts val="500"/>
-              </a:spcBef>
-              <a:buFont typeface="Arial" panose="020B0604020202020204" pitchFamily="34" charset="0"/>
-              <a:buChar char="•"/>
-              <a:defRPr sz="1800" kern="1200">
-                <a:solidFill>
-                  <a:schemeClr val="tx1"/>
-                </a:solidFill>
-                <a:latin typeface="+mn-lt"/>
-                <a:ea typeface="+mn-ea"/>
-                <a:cs typeface="+mn-cs"/>
-              </a:defRPr>
-            </a:lvl9pPr>
-          </a:lstStyle>
-          <a:p>
-            <a:pPr marL="0" indent="0">
-              <a:buNone/>
-            </a:pPr>
+          </a:p>
+          <a:p>
+            <a:pPr lvl="2"/>
             <a:r>
-              <a:rPr lang="en-GB" dirty="0"/>
-              <a:t>Electronics and Communication Engineering</a:t>
+              <a:rPr lang="en-GB" sz="2800" dirty="0">
+                <a:latin typeface="Calibri"/>
+                <a:cs typeface="Calibri"/>
+              </a:rPr>
+              <a:t>HOG (Histogram of Oriented Gradients)</a:t>
             </a:r>
           </a:p>
           <a:p>
-            <a:pPr marL="0" indent="0">
-              <a:buNone/>
-            </a:pPr>
+            <a:pPr lvl="2"/>
             <a:r>
-              <a:rPr lang="en-GB" dirty="0"/>
-              <a:t>2012-2016</a:t>
+              <a:rPr lang="en-GB" sz="2800" dirty="0">
+                <a:latin typeface="Calibri"/>
+                <a:cs typeface="Calibri"/>
+              </a:rPr>
+              <a:t>SVM (Support Vector Machines)</a:t>
             </a:r>
           </a:p>
-        </p:txBody>
-      </p:sp>
-      <p:sp>
-        <p:nvSpPr>
-          <p:cNvPr id="6" name="Oval 5">
-            <a:extLst>
-              <a:ext uri="{FF2B5EF4-FFF2-40B4-BE49-F238E27FC236}">
-                <a16:creationId xmlns:a16="http://schemas.microsoft.com/office/drawing/2014/main" id="{0DB40634-38C4-854B-9540-C45B5786F08F}"/>
-              </a:ext>
-            </a:extLst>
-          </p:cNvPr>
-          <p:cNvSpPr/>
-          <p:nvPr/>
-        </p:nvSpPr>
-        <p:spPr>
-          <a:xfrm>
-            <a:off x="867265" y="5084838"/>
-            <a:ext cx="273378" cy="273378"/>
-          </a:xfrm>
-          <a:prstGeom prst="ellipse">
-            <a:avLst/>
-          </a:prstGeom>
-          <a:gradFill flip="none" rotWithShape="1">
-            <a:gsLst>
-              <a:gs pos="70000">
-                <a:srgbClr val="00487E">
-                  <a:lumMod val="85000"/>
-                  <a:lumOff val="15000"/>
-                </a:srgbClr>
-              </a:gs>
-              <a:gs pos="17000">
-                <a:schemeClr val="accent1"/>
-              </a:gs>
-              <a:gs pos="100000">
-                <a:schemeClr val="accent1">
-                  <a:lumMod val="75000"/>
-                </a:schemeClr>
-              </a:gs>
-            </a:gsLst>
-            <a:lin ang="0" scaled="1"/>
-            <a:tileRect/>
-          </a:gradFill>
-          <a:ln>
-            <a:noFill/>
-          </a:ln>
-        </p:spPr>
-        <p:style>
-          <a:lnRef idx="2">
-            <a:schemeClr val="accent1">
-              <a:shade val="50000"/>
-            </a:schemeClr>
-          </a:lnRef>
-          <a:fillRef idx="1">
-            <a:schemeClr val="accent1"/>
-          </a:fillRef>
-          <a:effectRef idx="0">
-            <a:schemeClr val="accent1"/>
-          </a:effectRef>
-          <a:fontRef idx="minor">
-            <a:schemeClr val="lt1"/>
-          </a:fontRef>
-        </p:style>
-        <p:txBody>
-          <a:bodyPr rtlCol="0" anchor="ctr"/>
-          <a:lstStyle/>
-          <a:p>
-            <a:pPr algn="ctr"/>
-            <a:endParaRPr lang="en-IN" sz="2400" b="1" dirty="0">
-              <a:latin typeface="+mj-lt"/>
-            </a:endParaRPr>
-          </a:p>
-        </p:txBody>
-      </p:sp>
-      <p:sp>
-        <p:nvSpPr>
-          <p:cNvPr id="7" name="Content Placeholder 2">
-            <a:extLst>
-              <a:ext uri="{FF2B5EF4-FFF2-40B4-BE49-F238E27FC236}">
-                <a16:creationId xmlns:a16="http://schemas.microsoft.com/office/drawing/2014/main" id="{43F60F36-449D-A9D6-A684-B65066EB5919}"/>
-              </a:ext>
-            </a:extLst>
-          </p:cNvPr>
-          <p:cNvSpPr txBox="1">
-            <a:spLocks/>
-          </p:cNvSpPr>
-          <p:nvPr/>
-        </p:nvSpPr>
-        <p:spPr>
-          <a:xfrm>
-            <a:off x="1154512" y="5010248"/>
-            <a:ext cx="4941488" cy="1465962"/>
-          </a:xfrm>
-          <a:prstGeom prst="rect">
-            <a:avLst/>
-          </a:prstGeom>
-        </p:spPr>
-        <p:txBody>
-          <a:bodyPr lIns="91440" tIns="45720" rIns="91440" bIns="45720" anchor="t"/>
-          <a:lstStyle>
-            <a:lvl1pPr marL="228600" indent="-228600" algn="l" defTabSz="914400" rtl="0" eaLnBrk="1" latinLnBrk="0" hangingPunct="1">
-              <a:lnSpc>
-                <a:spcPct val="90000"/>
-              </a:lnSpc>
-              <a:spcBef>
-                <a:spcPts val="1000"/>
-              </a:spcBef>
-              <a:buFont typeface="Arial" panose="020B0604020202020204" pitchFamily="34" charset="0"/>
-              <a:buChar char="•"/>
-              <a:defRPr sz="2800" kern="1200">
-                <a:solidFill>
-                  <a:schemeClr val="tx1"/>
-                </a:solidFill>
-                <a:latin typeface="+mn-lt"/>
-                <a:ea typeface="+mn-ea"/>
-                <a:cs typeface="+mn-cs"/>
-              </a:defRPr>
-            </a:lvl1pPr>
-            <a:lvl2pPr marL="685800" indent="-228600" algn="l" defTabSz="914400" rtl="0" eaLnBrk="1" latinLnBrk="0" hangingPunct="1">
-              <a:lnSpc>
-                <a:spcPct val="90000"/>
-              </a:lnSpc>
-              <a:spcBef>
-                <a:spcPts val="500"/>
-              </a:spcBef>
-              <a:buFont typeface="Arial" panose="020B0604020202020204" pitchFamily="34" charset="0"/>
-              <a:buChar char="•"/>
-              <a:defRPr sz="2400" kern="1200">
-                <a:solidFill>
-                  <a:schemeClr val="tx1"/>
-                </a:solidFill>
-                <a:latin typeface="+mn-lt"/>
-                <a:ea typeface="+mn-ea"/>
-                <a:cs typeface="+mn-cs"/>
-              </a:defRPr>
-            </a:lvl2pPr>
-            <a:lvl3pPr marL="1143000" indent="-228600" algn="l" defTabSz="914400" rtl="0" eaLnBrk="1" latinLnBrk="0" hangingPunct="1">
-              <a:lnSpc>
-                <a:spcPct val="90000"/>
-              </a:lnSpc>
-              <a:spcBef>
-                <a:spcPts val="500"/>
-              </a:spcBef>
-              <a:buFont typeface="Arial" panose="020B0604020202020204" pitchFamily="34" charset="0"/>
-              <a:buChar char="•"/>
-              <a:defRPr sz="2000" kern="1200">
-                <a:solidFill>
-                  <a:schemeClr val="tx1"/>
-                </a:solidFill>
-                <a:latin typeface="+mn-lt"/>
-                <a:ea typeface="+mn-ea"/>
-                <a:cs typeface="+mn-cs"/>
-              </a:defRPr>
-            </a:lvl3pPr>
-            <a:lvl4pPr marL="1600200" indent="-228600" algn="l" defTabSz="914400" rtl="0" eaLnBrk="1" latinLnBrk="0" hangingPunct="1">
-              <a:lnSpc>
-                <a:spcPct val="90000"/>
-              </a:lnSpc>
-              <a:spcBef>
-                <a:spcPts val="500"/>
-              </a:spcBef>
-              <a:buFont typeface="Arial" panose="020B0604020202020204" pitchFamily="34" charset="0"/>
-              <a:buChar char="•"/>
-              <a:defRPr sz="1800" kern="1200">
-                <a:solidFill>
-                  <a:schemeClr val="tx1"/>
-                </a:solidFill>
-                <a:latin typeface="+mn-lt"/>
-                <a:ea typeface="+mn-ea"/>
-                <a:cs typeface="+mn-cs"/>
-              </a:defRPr>
-            </a:lvl4pPr>
-            <a:lvl5pPr marL="2057400" indent="-228600" algn="l" defTabSz="914400" rtl="0" eaLnBrk="1" latinLnBrk="0" hangingPunct="1">
-              <a:lnSpc>
-                <a:spcPct val="90000"/>
-              </a:lnSpc>
-              <a:spcBef>
-                <a:spcPts val="500"/>
-              </a:spcBef>
-              <a:buFont typeface="Arial" panose="020B0604020202020204" pitchFamily="34" charset="0"/>
-              <a:buChar char="•"/>
-              <a:defRPr sz="1800" kern="1200">
-                <a:solidFill>
-                  <a:schemeClr val="tx1"/>
-                </a:solidFill>
-                <a:latin typeface="+mn-lt"/>
-                <a:ea typeface="+mn-ea"/>
-                <a:cs typeface="+mn-cs"/>
-              </a:defRPr>
-            </a:lvl5pPr>
-            <a:lvl6pPr marL="2514600" indent="-228600" algn="l" defTabSz="914400" rtl="0" eaLnBrk="1" latinLnBrk="0" hangingPunct="1">
-              <a:lnSpc>
-                <a:spcPct val="90000"/>
-              </a:lnSpc>
-              <a:spcBef>
-                <a:spcPts val="500"/>
-              </a:spcBef>
-              <a:buFont typeface="Arial" panose="020B0604020202020204" pitchFamily="34" charset="0"/>
-              <a:buChar char="•"/>
-              <a:defRPr sz="1800" kern="1200">
-                <a:solidFill>
-                  <a:schemeClr val="tx1"/>
-                </a:solidFill>
-                <a:latin typeface="+mn-lt"/>
-                <a:ea typeface="+mn-ea"/>
-                <a:cs typeface="+mn-cs"/>
-              </a:defRPr>
-            </a:lvl6pPr>
-            <a:lvl7pPr marL="2971800" indent="-228600" algn="l" defTabSz="914400" rtl="0" eaLnBrk="1" latinLnBrk="0" hangingPunct="1">
-              <a:lnSpc>
-                <a:spcPct val="90000"/>
-              </a:lnSpc>
-              <a:spcBef>
-                <a:spcPts val="500"/>
-              </a:spcBef>
-              <a:buFont typeface="Arial" panose="020B0604020202020204" pitchFamily="34" charset="0"/>
-              <a:buChar char="•"/>
-              <a:defRPr sz="1800" kern="1200">
-                <a:solidFill>
-                  <a:schemeClr val="tx1"/>
-                </a:solidFill>
-                <a:latin typeface="+mn-lt"/>
-                <a:ea typeface="+mn-ea"/>
-                <a:cs typeface="+mn-cs"/>
-              </a:defRPr>
-            </a:lvl7pPr>
-            <a:lvl8pPr marL="3429000" indent="-228600" algn="l" defTabSz="914400" rtl="0" eaLnBrk="1" latinLnBrk="0" hangingPunct="1">
-              <a:lnSpc>
-                <a:spcPct val="90000"/>
-              </a:lnSpc>
-              <a:spcBef>
-                <a:spcPts val="500"/>
-              </a:spcBef>
-              <a:buFont typeface="Arial" panose="020B0604020202020204" pitchFamily="34" charset="0"/>
-              <a:buChar char="•"/>
-              <a:defRPr sz="1800" kern="1200">
-                <a:solidFill>
-                  <a:schemeClr val="tx1"/>
-                </a:solidFill>
-                <a:latin typeface="+mn-lt"/>
-                <a:ea typeface="+mn-ea"/>
-                <a:cs typeface="+mn-cs"/>
-              </a:defRPr>
-            </a:lvl8pPr>
-            <a:lvl9pPr marL="3886200" indent="-228600" algn="l" defTabSz="914400" rtl="0" eaLnBrk="1" latinLnBrk="0" hangingPunct="1">
-              <a:lnSpc>
-                <a:spcPct val="90000"/>
-              </a:lnSpc>
-              <a:spcBef>
-                <a:spcPts val="500"/>
-              </a:spcBef>
-              <a:buFont typeface="Arial" panose="020B0604020202020204" pitchFamily="34" charset="0"/>
-              <a:buChar char="•"/>
-              <a:defRPr sz="1800" kern="1200">
-                <a:solidFill>
-                  <a:schemeClr val="tx1"/>
-                </a:solidFill>
-                <a:latin typeface="+mn-lt"/>
-                <a:ea typeface="+mn-ea"/>
-                <a:cs typeface="+mn-cs"/>
-              </a:defRPr>
-            </a:lvl9pPr>
-          </a:lstStyle>
-          <a:p>
-            <a:pPr marL="0" indent="0">
-              <a:buNone/>
-            </a:pPr>
+          <a:p>
+            <a:pPr lvl="2"/>
             <a:r>
-              <a:rPr lang="en-GB" dirty="0"/>
-              <a:t>MSc Machine Learning in Science</a:t>
-            </a:r>
-          </a:p>
-          <a:p>
-            <a:pPr marL="0" indent="0">
-              <a:buNone/>
-            </a:pPr>
-            <a:r>
-              <a:rPr lang="en-GB" dirty="0"/>
-              <a:t>2021-2022</a:t>
-            </a:r>
-          </a:p>
-        </p:txBody>
-      </p:sp>
-      <p:sp>
-        <p:nvSpPr>
-          <p:cNvPr id="8" name="Oval 7">
-            <a:extLst>
-              <a:ext uri="{FF2B5EF4-FFF2-40B4-BE49-F238E27FC236}">
-                <a16:creationId xmlns:a16="http://schemas.microsoft.com/office/drawing/2014/main" id="{4CE0B0A1-4C7F-B5A0-BBDE-6D3FE6F58303}"/>
-              </a:ext>
-            </a:extLst>
-          </p:cNvPr>
-          <p:cNvSpPr/>
-          <p:nvPr/>
-        </p:nvSpPr>
-        <p:spPr>
-          <a:xfrm>
-            <a:off x="6994690" y="3487091"/>
-            <a:ext cx="273378" cy="273378"/>
-          </a:xfrm>
-          <a:prstGeom prst="ellipse">
-            <a:avLst/>
-          </a:prstGeom>
-          <a:gradFill flip="none" rotWithShape="1">
-            <a:gsLst>
-              <a:gs pos="70000">
-                <a:srgbClr val="00487E">
-                  <a:lumMod val="85000"/>
-                  <a:lumOff val="15000"/>
-                </a:srgbClr>
-              </a:gs>
-              <a:gs pos="17000">
-                <a:schemeClr val="accent1"/>
-              </a:gs>
-              <a:gs pos="100000">
-                <a:schemeClr val="accent1">
-                  <a:lumMod val="75000"/>
-                </a:schemeClr>
-              </a:gs>
-            </a:gsLst>
-            <a:lin ang="0" scaled="1"/>
-            <a:tileRect/>
-          </a:gradFill>
-          <a:ln>
-            <a:noFill/>
-          </a:ln>
-        </p:spPr>
-        <p:style>
-          <a:lnRef idx="2">
-            <a:schemeClr val="accent1">
-              <a:shade val="50000"/>
-            </a:schemeClr>
-          </a:lnRef>
-          <a:fillRef idx="1">
-            <a:schemeClr val="accent1"/>
-          </a:fillRef>
-          <a:effectRef idx="0">
-            <a:schemeClr val="accent1"/>
-          </a:effectRef>
-          <a:fontRef idx="minor">
-            <a:schemeClr val="lt1"/>
-          </a:fontRef>
-        </p:style>
-        <p:txBody>
-          <a:bodyPr rtlCol="0" anchor="ctr"/>
-          <a:lstStyle/>
-          <a:p>
-            <a:pPr algn="ctr"/>
-            <a:endParaRPr lang="en-IN" sz="2400" b="1" dirty="0">
-              <a:latin typeface="+mj-lt"/>
-            </a:endParaRPr>
-          </a:p>
-        </p:txBody>
-      </p:sp>
-      <p:sp>
-        <p:nvSpPr>
-          <p:cNvPr id="9" name="Content Placeholder 2">
-            <a:extLst>
-              <a:ext uri="{FF2B5EF4-FFF2-40B4-BE49-F238E27FC236}">
-                <a16:creationId xmlns:a16="http://schemas.microsoft.com/office/drawing/2014/main" id="{76568BA8-ED9F-4630-51F8-AFA55461C695}"/>
-              </a:ext>
-            </a:extLst>
-          </p:cNvPr>
-          <p:cNvSpPr txBox="1">
-            <a:spLocks/>
-          </p:cNvSpPr>
-          <p:nvPr/>
-        </p:nvSpPr>
-        <p:spPr>
-          <a:xfrm>
-            <a:off x="7281937" y="3412500"/>
-            <a:ext cx="4941488" cy="1141391"/>
-          </a:xfrm>
-          <a:prstGeom prst="rect">
-            <a:avLst/>
-          </a:prstGeom>
-        </p:spPr>
-        <p:txBody>
-          <a:bodyPr lIns="91440" tIns="45720" rIns="91440" bIns="45720" anchor="t"/>
-          <a:lstStyle>
-            <a:lvl1pPr marL="228600" indent="-228600" algn="l" defTabSz="914400" rtl="0" eaLnBrk="1" latinLnBrk="0" hangingPunct="1">
-              <a:lnSpc>
-                <a:spcPct val="90000"/>
-              </a:lnSpc>
-              <a:spcBef>
-                <a:spcPts val="1000"/>
-              </a:spcBef>
-              <a:buFont typeface="Arial" panose="020B0604020202020204" pitchFamily="34" charset="0"/>
-              <a:buChar char="•"/>
-              <a:defRPr sz="2800" kern="1200">
-                <a:solidFill>
-                  <a:schemeClr val="tx1"/>
-                </a:solidFill>
-                <a:latin typeface="+mn-lt"/>
-                <a:ea typeface="+mn-ea"/>
-                <a:cs typeface="+mn-cs"/>
-              </a:defRPr>
-            </a:lvl1pPr>
-            <a:lvl2pPr marL="685800" indent="-228600" algn="l" defTabSz="914400" rtl="0" eaLnBrk="1" latinLnBrk="0" hangingPunct="1">
-              <a:lnSpc>
-                <a:spcPct val="90000"/>
-              </a:lnSpc>
-              <a:spcBef>
-                <a:spcPts val="500"/>
-              </a:spcBef>
-              <a:buFont typeface="Arial" panose="020B0604020202020204" pitchFamily="34" charset="0"/>
-              <a:buChar char="•"/>
-              <a:defRPr sz="2400" kern="1200">
-                <a:solidFill>
-                  <a:schemeClr val="tx1"/>
-                </a:solidFill>
-                <a:latin typeface="+mn-lt"/>
-                <a:ea typeface="+mn-ea"/>
-                <a:cs typeface="+mn-cs"/>
-              </a:defRPr>
-            </a:lvl2pPr>
-            <a:lvl3pPr marL="1143000" indent="-228600" algn="l" defTabSz="914400" rtl="0" eaLnBrk="1" latinLnBrk="0" hangingPunct="1">
-              <a:lnSpc>
-                <a:spcPct val="90000"/>
-              </a:lnSpc>
-              <a:spcBef>
-                <a:spcPts val="500"/>
-              </a:spcBef>
-              <a:buFont typeface="Arial" panose="020B0604020202020204" pitchFamily="34" charset="0"/>
-              <a:buChar char="•"/>
-              <a:defRPr sz="2000" kern="1200">
-                <a:solidFill>
-                  <a:schemeClr val="tx1"/>
-                </a:solidFill>
-                <a:latin typeface="+mn-lt"/>
-                <a:ea typeface="+mn-ea"/>
-                <a:cs typeface="+mn-cs"/>
-              </a:defRPr>
-            </a:lvl3pPr>
-            <a:lvl4pPr marL="1600200" indent="-228600" algn="l" defTabSz="914400" rtl="0" eaLnBrk="1" latinLnBrk="0" hangingPunct="1">
-              <a:lnSpc>
-                <a:spcPct val="90000"/>
-              </a:lnSpc>
-              <a:spcBef>
-                <a:spcPts val="500"/>
-              </a:spcBef>
-              <a:buFont typeface="Arial" panose="020B0604020202020204" pitchFamily="34" charset="0"/>
-              <a:buChar char="•"/>
-              <a:defRPr sz="1800" kern="1200">
-                <a:solidFill>
-                  <a:schemeClr val="tx1"/>
-                </a:solidFill>
-                <a:latin typeface="+mn-lt"/>
-                <a:ea typeface="+mn-ea"/>
-                <a:cs typeface="+mn-cs"/>
-              </a:defRPr>
-            </a:lvl4pPr>
-            <a:lvl5pPr marL="2057400" indent="-228600" algn="l" defTabSz="914400" rtl="0" eaLnBrk="1" latinLnBrk="0" hangingPunct="1">
-              <a:lnSpc>
-                <a:spcPct val="90000"/>
-              </a:lnSpc>
-              <a:spcBef>
-                <a:spcPts val="500"/>
-              </a:spcBef>
-              <a:buFont typeface="Arial" panose="020B0604020202020204" pitchFamily="34" charset="0"/>
-              <a:buChar char="•"/>
-              <a:defRPr sz="1800" kern="1200">
-                <a:solidFill>
-                  <a:schemeClr val="tx1"/>
-                </a:solidFill>
-                <a:latin typeface="+mn-lt"/>
-                <a:ea typeface="+mn-ea"/>
-                <a:cs typeface="+mn-cs"/>
-              </a:defRPr>
-            </a:lvl5pPr>
-            <a:lvl6pPr marL="2514600" indent="-228600" algn="l" defTabSz="914400" rtl="0" eaLnBrk="1" latinLnBrk="0" hangingPunct="1">
-              <a:lnSpc>
-                <a:spcPct val="90000"/>
-              </a:lnSpc>
-              <a:spcBef>
-                <a:spcPts val="500"/>
-              </a:spcBef>
-              <a:buFont typeface="Arial" panose="020B0604020202020204" pitchFamily="34" charset="0"/>
-              <a:buChar char="•"/>
-              <a:defRPr sz="1800" kern="1200">
-                <a:solidFill>
-                  <a:schemeClr val="tx1"/>
-                </a:solidFill>
-                <a:latin typeface="+mn-lt"/>
-                <a:ea typeface="+mn-ea"/>
-                <a:cs typeface="+mn-cs"/>
-              </a:defRPr>
-            </a:lvl6pPr>
-            <a:lvl7pPr marL="2971800" indent="-228600" algn="l" defTabSz="914400" rtl="0" eaLnBrk="1" latinLnBrk="0" hangingPunct="1">
-              <a:lnSpc>
-                <a:spcPct val="90000"/>
-              </a:lnSpc>
-              <a:spcBef>
-                <a:spcPts val="500"/>
-              </a:spcBef>
-              <a:buFont typeface="Arial" panose="020B0604020202020204" pitchFamily="34" charset="0"/>
-              <a:buChar char="•"/>
-              <a:defRPr sz="1800" kern="1200">
-                <a:solidFill>
-                  <a:schemeClr val="tx1"/>
-                </a:solidFill>
-                <a:latin typeface="+mn-lt"/>
-                <a:ea typeface="+mn-ea"/>
-                <a:cs typeface="+mn-cs"/>
-              </a:defRPr>
-            </a:lvl7pPr>
-            <a:lvl8pPr marL="3429000" indent="-228600" algn="l" defTabSz="914400" rtl="0" eaLnBrk="1" latinLnBrk="0" hangingPunct="1">
-              <a:lnSpc>
-                <a:spcPct val="90000"/>
-              </a:lnSpc>
-              <a:spcBef>
-                <a:spcPts val="500"/>
-              </a:spcBef>
-              <a:buFont typeface="Arial" panose="020B0604020202020204" pitchFamily="34" charset="0"/>
-              <a:buChar char="•"/>
-              <a:defRPr sz="1800" kern="1200">
-                <a:solidFill>
-                  <a:schemeClr val="tx1"/>
-                </a:solidFill>
-                <a:latin typeface="+mn-lt"/>
-                <a:ea typeface="+mn-ea"/>
-                <a:cs typeface="+mn-cs"/>
-              </a:defRPr>
-            </a:lvl8pPr>
-            <a:lvl9pPr marL="3886200" indent="-228600" algn="l" defTabSz="914400" rtl="0" eaLnBrk="1" latinLnBrk="0" hangingPunct="1">
-              <a:lnSpc>
-                <a:spcPct val="90000"/>
-              </a:lnSpc>
-              <a:spcBef>
-                <a:spcPts val="500"/>
-              </a:spcBef>
-              <a:buFont typeface="Arial" panose="020B0604020202020204" pitchFamily="34" charset="0"/>
-              <a:buChar char="•"/>
-              <a:defRPr sz="1800" kern="1200">
-                <a:solidFill>
-                  <a:schemeClr val="tx1"/>
-                </a:solidFill>
-                <a:latin typeface="+mn-lt"/>
-                <a:ea typeface="+mn-ea"/>
-                <a:cs typeface="+mn-cs"/>
-              </a:defRPr>
-            </a:lvl9pPr>
-          </a:lstStyle>
-          <a:p>
-            <a:pPr marL="0" indent="0">
-              <a:buNone/>
-            </a:pPr>
-            <a:r>
-              <a:rPr lang="en-GB" dirty="0"/>
-              <a:t>L&amp;T Technology Services</a:t>
-            </a:r>
-          </a:p>
-          <a:p>
-            <a:pPr marL="0" indent="0">
-              <a:buNone/>
-            </a:pPr>
-            <a:r>
-              <a:rPr lang="en-GB" dirty="0"/>
-              <a:t>Engineer</a:t>
-            </a:r>
-          </a:p>
-          <a:p>
-            <a:pPr marL="0" indent="0">
-              <a:buNone/>
-            </a:pPr>
-            <a:r>
-              <a:rPr lang="en-GB" dirty="0"/>
-              <a:t>2017-2020</a:t>
-            </a:r>
-          </a:p>
-        </p:txBody>
-      </p:sp>
-      <p:sp>
-        <p:nvSpPr>
-          <p:cNvPr id="10" name="Oval 9">
-            <a:extLst>
-              <a:ext uri="{FF2B5EF4-FFF2-40B4-BE49-F238E27FC236}">
-                <a16:creationId xmlns:a16="http://schemas.microsoft.com/office/drawing/2014/main" id="{A04B6592-7936-95F8-8012-E73E90B4C0C1}"/>
-              </a:ext>
-            </a:extLst>
-          </p:cNvPr>
-          <p:cNvSpPr/>
-          <p:nvPr/>
-        </p:nvSpPr>
-        <p:spPr>
-          <a:xfrm>
-            <a:off x="6994690" y="5159430"/>
-            <a:ext cx="273378" cy="273378"/>
-          </a:xfrm>
-          <a:prstGeom prst="ellipse">
-            <a:avLst/>
-          </a:prstGeom>
-          <a:gradFill flip="none" rotWithShape="1">
-            <a:gsLst>
-              <a:gs pos="70000">
-                <a:srgbClr val="00487E">
-                  <a:lumMod val="85000"/>
-                  <a:lumOff val="15000"/>
-                </a:srgbClr>
-              </a:gs>
-              <a:gs pos="17000">
-                <a:schemeClr val="accent1"/>
-              </a:gs>
-              <a:gs pos="100000">
-                <a:schemeClr val="accent1">
-                  <a:lumMod val="75000"/>
-                </a:schemeClr>
-              </a:gs>
-            </a:gsLst>
-            <a:lin ang="0" scaled="1"/>
-            <a:tileRect/>
-          </a:gradFill>
-          <a:ln>
-            <a:noFill/>
-          </a:ln>
-        </p:spPr>
-        <p:style>
-          <a:lnRef idx="2">
-            <a:schemeClr val="accent1">
-              <a:shade val="50000"/>
-            </a:schemeClr>
-          </a:lnRef>
-          <a:fillRef idx="1">
-            <a:schemeClr val="accent1"/>
-          </a:fillRef>
-          <a:effectRef idx="0">
-            <a:schemeClr val="accent1"/>
-          </a:effectRef>
-          <a:fontRef idx="minor">
-            <a:schemeClr val="lt1"/>
-          </a:fontRef>
-        </p:style>
-        <p:txBody>
-          <a:bodyPr rtlCol="0" anchor="ctr"/>
-          <a:lstStyle/>
-          <a:p>
-            <a:pPr algn="ctr"/>
-            <a:endParaRPr lang="en-IN" sz="2400" b="1" dirty="0">
-              <a:latin typeface="+mj-lt"/>
-            </a:endParaRPr>
-          </a:p>
-        </p:txBody>
-      </p:sp>
-      <p:sp>
-        <p:nvSpPr>
-          <p:cNvPr id="11" name="Content Placeholder 2">
-            <a:extLst>
-              <a:ext uri="{FF2B5EF4-FFF2-40B4-BE49-F238E27FC236}">
-                <a16:creationId xmlns:a16="http://schemas.microsoft.com/office/drawing/2014/main" id="{796F539C-1FA7-0CEE-760E-FF805BCC4FEC}"/>
-              </a:ext>
-            </a:extLst>
-          </p:cNvPr>
-          <p:cNvSpPr txBox="1">
-            <a:spLocks/>
-          </p:cNvSpPr>
-          <p:nvPr/>
-        </p:nvSpPr>
-        <p:spPr>
-          <a:xfrm>
-            <a:off x="7281937" y="5084839"/>
-            <a:ext cx="4941488" cy="1141391"/>
-          </a:xfrm>
-          <a:prstGeom prst="rect">
-            <a:avLst/>
-          </a:prstGeom>
-        </p:spPr>
-        <p:txBody>
-          <a:bodyPr lIns="91440" tIns="45720" rIns="91440" bIns="45720" anchor="t"/>
-          <a:lstStyle>
-            <a:lvl1pPr marL="228600" indent="-228600" algn="l" defTabSz="914400" rtl="0" eaLnBrk="1" latinLnBrk="0" hangingPunct="1">
-              <a:lnSpc>
-                <a:spcPct val="90000"/>
-              </a:lnSpc>
-              <a:spcBef>
-                <a:spcPts val="1000"/>
-              </a:spcBef>
-              <a:buFont typeface="Arial" panose="020B0604020202020204" pitchFamily="34" charset="0"/>
-              <a:buChar char="•"/>
-              <a:defRPr sz="2800" kern="1200">
-                <a:solidFill>
-                  <a:schemeClr val="tx1"/>
-                </a:solidFill>
-                <a:latin typeface="+mn-lt"/>
-                <a:ea typeface="+mn-ea"/>
-                <a:cs typeface="+mn-cs"/>
-              </a:defRPr>
-            </a:lvl1pPr>
-            <a:lvl2pPr marL="685800" indent="-228600" algn="l" defTabSz="914400" rtl="0" eaLnBrk="1" latinLnBrk="0" hangingPunct="1">
-              <a:lnSpc>
-                <a:spcPct val="90000"/>
-              </a:lnSpc>
-              <a:spcBef>
-                <a:spcPts val="500"/>
-              </a:spcBef>
-              <a:buFont typeface="Arial" panose="020B0604020202020204" pitchFamily="34" charset="0"/>
-              <a:buChar char="•"/>
-              <a:defRPr sz="2400" kern="1200">
-                <a:solidFill>
-                  <a:schemeClr val="tx1"/>
-                </a:solidFill>
-                <a:latin typeface="+mn-lt"/>
-                <a:ea typeface="+mn-ea"/>
-                <a:cs typeface="+mn-cs"/>
-              </a:defRPr>
-            </a:lvl2pPr>
-            <a:lvl3pPr marL="1143000" indent="-228600" algn="l" defTabSz="914400" rtl="0" eaLnBrk="1" latinLnBrk="0" hangingPunct="1">
-              <a:lnSpc>
-                <a:spcPct val="90000"/>
-              </a:lnSpc>
-              <a:spcBef>
-                <a:spcPts val="500"/>
-              </a:spcBef>
-              <a:buFont typeface="Arial" panose="020B0604020202020204" pitchFamily="34" charset="0"/>
-              <a:buChar char="•"/>
-              <a:defRPr sz="2000" kern="1200">
-                <a:solidFill>
-                  <a:schemeClr val="tx1"/>
-                </a:solidFill>
-                <a:latin typeface="+mn-lt"/>
-                <a:ea typeface="+mn-ea"/>
-                <a:cs typeface="+mn-cs"/>
-              </a:defRPr>
-            </a:lvl3pPr>
-            <a:lvl4pPr marL="1600200" indent="-228600" algn="l" defTabSz="914400" rtl="0" eaLnBrk="1" latinLnBrk="0" hangingPunct="1">
-              <a:lnSpc>
-                <a:spcPct val="90000"/>
-              </a:lnSpc>
-              <a:spcBef>
-                <a:spcPts val="500"/>
-              </a:spcBef>
-              <a:buFont typeface="Arial" panose="020B0604020202020204" pitchFamily="34" charset="0"/>
-              <a:buChar char="•"/>
-              <a:defRPr sz="1800" kern="1200">
-                <a:solidFill>
-                  <a:schemeClr val="tx1"/>
-                </a:solidFill>
-                <a:latin typeface="+mn-lt"/>
-                <a:ea typeface="+mn-ea"/>
-                <a:cs typeface="+mn-cs"/>
-              </a:defRPr>
-            </a:lvl4pPr>
-            <a:lvl5pPr marL="2057400" indent="-228600" algn="l" defTabSz="914400" rtl="0" eaLnBrk="1" latinLnBrk="0" hangingPunct="1">
-              <a:lnSpc>
-                <a:spcPct val="90000"/>
-              </a:lnSpc>
-              <a:spcBef>
-                <a:spcPts val="500"/>
-              </a:spcBef>
-              <a:buFont typeface="Arial" panose="020B0604020202020204" pitchFamily="34" charset="0"/>
-              <a:buChar char="•"/>
-              <a:defRPr sz="1800" kern="1200">
-                <a:solidFill>
-                  <a:schemeClr val="tx1"/>
-                </a:solidFill>
-                <a:latin typeface="+mn-lt"/>
-                <a:ea typeface="+mn-ea"/>
-                <a:cs typeface="+mn-cs"/>
-              </a:defRPr>
-            </a:lvl5pPr>
-            <a:lvl6pPr marL="2514600" indent="-228600" algn="l" defTabSz="914400" rtl="0" eaLnBrk="1" latinLnBrk="0" hangingPunct="1">
-              <a:lnSpc>
-                <a:spcPct val="90000"/>
-              </a:lnSpc>
-              <a:spcBef>
-                <a:spcPts val="500"/>
-              </a:spcBef>
-              <a:buFont typeface="Arial" panose="020B0604020202020204" pitchFamily="34" charset="0"/>
-              <a:buChar char="•"/>
-              <a:defRPr sz="1800" kern="1200">
-                <a:solidFill>
-                  <a:schemeClr val="tx1"/>
-                </a:solidFill>
-                <a:latin typeface="+mn-lt"/>
-                <a:ea typeface="+mn-ea"/>
-                <a:cs typeface="+mn-cs"/>
-              </a:defRPr>
-            </a:lvl6pPr>
-            <a:lvl7pPr marL="2971800" indent="-228600" algn="l" defTabSz="914400" rtl="0" eaLnBrk="1" latinLnBrk="0" hangingPunct="1">
-              <a:lnSpc>
-                <a:spcPct val="90000"/>
-              </a:lnSpc>
-              <a:spcBef>
-                <a:spcPts val="500"/>
-              </a:spcBef>
-              <a:buFont typeface="Arial" panose="020B0604020202020204" pitchFamily="34" charset="0"/>
-              <a:buChar char="•"/>
-              <a:defRPr sz="1800" kern="1200">
-                <a:solidFill>
-                  <a:schemeClr val="tx1"/>
-                </a:solidFill>
-                <a:latin typeface="+mn-lt"/>
-                <a:ea typeface="+mn-ea"/>
-                <a:cs typeface="+mn-cs"/>
-              </a:defRPr>
-            </a:lvl7pPr>
-            <a:lvl8pPr marL="3429000" indent="-228600" algn="l" defTabSz="914400" rtl="0" eaLnBrk="1" latinLnBrk="0" hangingPunct="1">
-              <a:lnSpc>
-                <a:spcPct val="90000"/>
-              </a:lnSpc>
-              <a:spcBef>
-                <a:spcPts val="500"/>
-              </a:spcBef>
-              <a:buFont typeface="Arial" panose="020B0604020202020204" pitchFamily="34" charset="0"/>
-              <a:buChar char="•"/>
-              <a:defRPr sz="1800" kern="1200">
-                <a:solidFill>
-                  <a:schemeClr val="tx1"/>
-                </a:solidFill>
-                <a:latin typeface="+mn-lt"/>
-                <a:ea typeface="+mn-ea"/>
-                <a:cs typeface="+mn-cs"/>
-              </a:defRPr>
-            </a:lvl8pPr>
-            <a:lvl9pPr marL="3886200" indent="-228600" algn="l" defTabSz="914400" rtl="0" eaLnBrk="1" latinLnBrk="0" hangingPunct="1">
-              <a:lnSpc>
-                <a:spcPct val="90000"/>
-              </a:lnSpc>
-              <a:spcBef>
-                <a:spcPts val="500"/>
-              </a:spcBef>
-              <a:buFont typeface="Arial" panose="020B0604020202020204" pitchFamily="34" charset="0"/>
-              <a:buChar char="•"/>
-              <a:defRPr sz="1800" kern="1200">
-                <a:solidFill>
-                  <a:schemeClr val="tx1"/>
-                </a:solidFill>
-                <a:latin typeface="+mn-lt"/>
-                <a:ea typeface="+mn-ea"/>
-                <a:cs typeface="+mn-cs"/>
-              </a:defRPr>
-            </a:lvl9pPr>
-          </a:lstStyle>
-          <a:p>
-            <a:pPr marL="0" indent="0">
-              <a:buNone/>
-            </a:pPr>
-            <a:r>
-              <a:rPr lang="en-GB" dirty="0"/>
-              <a:t>Accenture International</a:t>
-            </a:r>
-          </a:p>
-          <a:p>
-            <a:pPr marL="0" indent="0">
-              <a:buNone/>
-            </a:pPr>
-            <a:r>
-              <a:rPr lang="en-GB" dirty="0"/>
-              <a:t>Senior Data Analyst</a:t>
-            </a:r>
-          </a:p>
-          <a:p>
-            <a:pPr marL="0" indent="0">
-              <a:buNone/>
-            </a:pPr>
-            <a:r>
-              <a:rPr lang="en-GB" dirty="0"/>
-              <a:t>2020-2021</a:t>
-            </a:r>
-          </a:p>
-        </p:txBody>
-      </p:sp>
-      <p:sp>
-        <p:nvSpPr>
-          <p:cNvPr id="12" name="Content Placeholder 2">
-            <a:extLst>
-              <a:ext uri="{FF2B5EF4-FFF2-40B4-BE49-F238E27FC236}">
-                <a16:creationId xmlns:a16="http://schemas.microsoft.com/office/drawing/2014/main" id="{10E6ED24-339A-BA63-403E-596CE0369C8B}"/>
-              </a:ext>
-            </a:extLst>
-          </p:cNvPr>
-          <p:cNvSpPr txBox="1">
-            <a:spLocks/>
-          </p:cNvSpPr>
-          <p:nvPr/>
-        </p:nvSpPr>
-        <p:spPr>
-          <a:xfrm>
-            <a:off x="780585" y="2568399"/>
-            <a:ext cx="1907627" cy="462734"/>
-          </a:xfrm>
-          <a:prstGeom prst="rect">
-            <a:avLst/>
-          </a:prstGeom>
-        </p:spPr>
-        <p:txBody>
-          <a:bodyPr lIns="91440" tIns="45720" rIns="91440" bIns="45720" anchor="t"/>
-          <a:lstStyle>
-            <a:lvl1pPr marL="228600" indent="-228600" algn="l" defTabSz="914400" rtl="0" eaLnBrk="1" latinLnBrk="0" hangingPunct="1">
-              <a:lnSpc>
-                <a:spcPct val="90000"/>
-              </a:lnSpc>
-              <a:spcBef>
-                <a:spcPts val="1000"/>
-              </a:spcBef>
-              <a:buFont typeface="Arial" panose="020B0604020202020204" pitchFamily="34" charset="0"/>
-              <a:buChar char="•"/>
-              <a:defRPr sz="2800" kern="1200">
-                <a:solidFill>
-                  <a:schemeClr val="tx1"/>
-                </a:solidFill>
-                <a:latin typeface="+mn-lt"/>
-                <a:ea typeface="+mn-ea"/>
-                <a:cs typeface="+mn-cs"/>
-              </a:defRPr>
-            </a:lvl1pPr>
-            <a:lvl2pPr marL="685800" indent="-228600" algn="l" defTabSz="914400" rtl="0" eaLnBrk="1" latinLnBrk="0" hangingPunct="1">
-              <a:lnSpc>
-                <a:spcPct val="90000"/>
-              </a:lnSpc>
-              <a:spcBef>
-                <a:spcPts val="500"/>
-              </a:spcBef>
-              <a:buFont typeface="Arial" panose="020B0604020202020204" pitchFamily="34" charset="0"/>
-              <a:buChar char="•"/>
-              <a:defRPr sz="2400" kern="1200">
-                <a:solidFill>
-                  <a:schemeClr val="tx1"/>
-                </a:solidFill>
-                <a:latin typeface="+mn-lt"/>
-                <a:ea typeface="+mn-ea"/>
-                <a:cs typeface="+mn-cs"/>
-              </a:defRPr>
-            </a:lvl2pPr>
-            <a:lvl3pPr marL="1143000" indent="-228600" algn="l" defTabSz="914400" rtl="0" eaLnBrk="1" latinLnBrk="0" hangingPunct="1">
-              <a:lnSpc>
-                <a:spcPct val="90000"/>
-              </a:lnSpc>
-              <a:spcBef>
-                <a:spcPts val="500"/>
-              </a:spcBef>
-              <a:buFont typeface="Arial" panose="020B0604020202020204" pitchFamily="34" charset="0"/>
-              <a:buChar char="•"/>
-              <a:defRPr sz="2000" kern="1200">
-                <a:solidFill>
-                  <a:schemeClr val="tx1"/>
-                </a:solidFill>
-                <a:latin typeface="+mn-lt"/>
-                <a:ea typeface="+mn-ea"/>
-                <a:cs typeface="+mn-cs"/>
-              </a:defRPr>
-            </a:lvl3pPr>
-            <a:lvl4pPr marL="1600200" indent="-228600" algn="l" defTabSz="914400" rtl="0" eaLnBrk="1" latinLnBrk="0" hangingPunct="1">
-              <a:lnSpc>
-                <a:spcPct val="90000"/>
-              </a:lnSpc>
-              <a:spcBef>
-                <a:spcPts val="500"/>
-              </a:spcBef>
-              <a:buFont typeface="Arial" panose="020B0604020202020204" pitchFamily="34" charset="0"/>
-              <a:buChar char="•"/>
-              <a:defRPr sz="1800" kern="1200">
-                <a:solidFill>
-                  <a:schemeClr val="tx1"/>
-                </a:solidFill>
-                <a:latin typeface="+mn-lt"/>
-                <a:ea typeface="+mn-ea"/>
-                <a:cs typeface="+mn-cs"/>
-              </a:defRPr>
-            </a:lvl4pPr>
-            <a:lvl5pPr marL="2057400" indent="-228600" algn="l" defTabSz="914400" rtl="0" eaLnBrk="1" latinLnBrk="0" hangingPunct="1">
-              <a:lnSpc>
-                <a:spcPct val="90000"/>
-              </a:lnSpc>
-              <a:spcBef>
-                <a:spcPts val="500"/>
-              </a:spcBef>
-              <a:buFont typeface="Arial" panose="020B0604020202020204" pitchFamily="34" charset="0"/>
-              <a:buChar char="•"/>
-              <a:defRPr sz="1800" kern="1200">
-                <a:solidFill>
-                  <a:schemeClr val="tx1"/>
-                </a:solidFill>
-                <a:latin typeface="+mn-lt"/>
-                <a:ea typeface="+mn-ea"/>
-                <a:cs typeface="+mn-cs"/>
-              </a:defRPr>
-            </a:lvl5pPr>
-            <a:lvl6pPr marL="2514600" indent="-228600" algn="l" defTabSz="914400" rtl="0" eaLnBrk="1" latinLnBrk="0" hangingPunct="1">
-              <a:lnSpc>
-                <a:spcPct val="90000"/>
-              </a:lnSpc>
-              <a:spcBef>
-                <a:spcPts val="500"/>
-              </a:spcBef>
-              <a:buFont typeface="Arial" panose="020B0604020202020204" pitchFamily="34" charset="0"/>
-              <a:buChar char="•"/>
-              <a:defRPr sz="1800" kern="1200">
-                <a:solidFill>
-                  <a:schemeClr val="tx1"/>
-                </a:solidFill>
-                <a:latin typeface="+mn-lt"/>
-                <a:ea typeface="+mn-ea"/>
-                <a:cs typeface="+mn-cs"/>
-              </a:defRPr>
-            </a:lvl6pPr>
-            <a:lvl7pPr marL="2971800" indent="-228600" algn="l" defTabSz="914400" rtl="0" eaLnBrk="1" latinLnBrk="0" hangingPunct="1">
-              <a:lnSpc>
-                <a:spcPct val="90000"/>
-              </a:lnSpc>
-              <a:spcBef>
-                <a:spcPts val="500"/>
-              </a:spcBef>
-              <a:buFont typeface="Arial" panose="020B0604020202020204" pitchFamily="34" charset="0"/>
-              <a:buChar char="•"/>
-              <a:defRPr sz="1800" kern="1200">
-                <a:solidFill>
-                  <a:schemeClr val="tx1"/>
-                </a:solidFill>
-                <a:latin typeface="+mn-lt"/>
-                <a:ea typeface="+mn-ea"/>
-                <a:cs typeface="+mn-cs"/>
-              </a:defRPr>
-            </a:lvl7pPr>
-            <a:lvl8pPr marL="3429000" indent="-228600" algn="l" defTabSz="914400" rtl="0" eaLnBrk="1" latinLnBrk="0" hangingPunct="1">
-              <a:lnSpc>
-                <a:spcPct val="90000"/>
-              </a:lnSpc>
-              <a:spcBef>
-                <a:spcPts val="500"/>
-              </a:spcBef>
-              <a:buFont typeface="Arial" panose="020B0604020202020204" pitchFamily="34" charset="0"/>
-              <a:buChar char="•"/>
-              <a:defRPr sz="1800" kern="1200">
-                <a:solidFill>
-                  <a:schemeClr val="tx1"/>
-                </a:solidFill>
-                <a:latin typeface="+mn-lt"/>
-                <a:ea typeface="+mn-ea"/>
-                <a:cs typeface="+mn-cs"/>
-              </a:defRPr>
-            </a:lvl8pPr>
-            <a:lvl9pPr marL="3886200" indent="-228600" algn="l" defTabSz="914400" rtl="0" eaLnBrk="1" latinLnBrk="0" hangingPunct="1">
-              <a:lnSpc>
-                <a:spcPct val="90000"/>
-              </a:lnSpc>
-              <a:spcBef>
-                <a:spcPts val="500"/>
-              </a:spcBef>
-              <a:buFont typeface="Arial" panose="020B0604020202020204" pitchFamily="34" charset="0"/>
-              <a:buChar char="•"/>
-              <a:defRPr sz="1800" kern="1200">
-                <a:solidFill>
-                  <a:schemeClr val="tx1"/>
-                </a:solidFill>
-                <a:latin typeface="+mn-lt"/>
-                <a:ea typeface="+mn-ea"/>
-                <a:cs typeface="+mn-cs"/>
-              </a:defRPr>
-            </a:lvl9pPr>
-          </a:lstStyle>
-          <a:p>
-            <a:pPr marL="0" indent="0">
-              <a:buNone/>
-            </a:pPr>
-            <a:r>
-              <a:rPr lang="en-GB" dirty="0"/>
-              <a:t>Education</a:t>
-            </a:r>
-          </a:p>
-        </p:txBody>
-      </p:sp>
-      <p:sp>
-        <p:nvSpPr>
-          <p:cNvPr id="13" name="Content Placeholder 2">
-            <a:extLst>
-              <a:ext uri="{FF2B5EF4-FFF2-40B4-BE49-F238E27FC236}">
-                <a16:creationId xmlns:a16="http://schemas.microsoft.com/office/drawing/2014/main" id="{C9CA2910-B7F2-5B5C-D400-DD0AA1464BB5}"/>
-              </a:ext>
-            </a:extLst>
-          </p:cNvPr>
-          <p:cNvSpPr txBox="1">
-            <a:spLocks/>
-          </p:cNvSpPr>
-          <p:nvPr/>
-        </p:nvSpPr>
-        <p:spPr>
-          <a:xfrm>
-            <a:off x="6872139" y="2572698"/>
-            <a:ext cx="1907627" cy="462734"/>
-          </a:xfrm>
-          <a:prstGeom prst="rect">
-            <a:avLst/>
-          </a:prstGeom>
-        </p:spPr>
-        <p:txBody>
-          <a:bodyPr lIns="91440" tIns="45720" rIns="91440" bIns="45720" anchor="t"/>
-          <a:lstStyle>
-            <a:lvl1pPr marL="228600" indent="-228600" algn="l" defTabSz="914400" rtl="0" eaLnBrk="1" latinLnBrk="0" hangingPunct="1">
-              <a:lnSpc>
-                <a:spcPct val="90000"/>
-              </a:lnSpc>
-              <a:spcBef>
-                <a:spcPts val="1000"/>
-              </a:spcBef>
-              <a:buFont typeface="Arial" panose="020B0604020202020204" pitchFamily="34" charset="0"/>
-              <a:buChar char="•"/>
-              <a:defRPr sz="2800" kern="1200">
-                <a:solidFill>
-                  <a:schemeClr val="tx1"/>
-                </a:solidFill>
-                <a:latin typeface="+mn-lt"/>
-                <a:ea typeface="+mn-ea"/>
-                <a:cs typeface="+mn-cs"/>
-              </a:defRPr>
-            </a:lvl1pPr>
-            <a:lvl2pPr marL="685800" indent="-228600" algn="l" defTabSz="914400" rtl="0" eaLnBrk="1" latinLnBrk="0" hangingPunct="1">
-              <a:lnSpc>
-                <a:spcPct val="90000"/>
-              </a:lnSpc>
-              <a:spcBef>
-                <a:spcPts val="500"/>
-              </a:spcBef>
-              <a:buFont typeface="Arial" panose="020B0604020202020204" pitchFamily="34" charset="0"/>
-              <a:buChar char="•"/>
-              <a:defRPr sz="2400" kern="1200">
-                <a:solidFill>
-                  <a:schemeClr val="tx1"/>
-                </a:solidFill>
-                <a:latin typeface="+mn-lt"/>
-                <a:ea typeface="+mn-ea"/>
-                <a:cs typeface="+mn-cs"/>
-              </a:defRPr>
-            </a:lvl2pPr>
-            <a:lvl3pPr marL="1143000" indent="-228600" algn="l" defTabSz="914400" rtl="0" eaLnBrk="1" latinLnBrk="0" hangingPunct="1">
-              <a:lnSpc>
-                <a:spcPct val="90000"/>
-              </a:lnSpc>
-              <a:spcBef>
-                <a:spcPts val="500"/>
-              </a:spcBef>
-              <a:buFont typeface="Arial" panose="020B0604020202020204" pitchFamily="34" charset="0"/>
-              <a:buChar char="•"/>
-              <a:defRPr sz="2000" kern="1200">
-                <a:solidFill>
-                  <a:schemeClr val="tx1"/>
-                </a:solidFill>
-                <a:latin typeface="+mn-lt"/>
-                <a:ea typeface="+mn-ea"/>
-                <a:cs typeface="+mn-cs"/>
-              </a:defRPr>
-            </a:lvl3pPr>
-            <a:lvl4pPr marL="1600200" indent="-228600" algn="l" defTabSz="914400" rtl="0" eaLnBrk="1" latinLnBrk="0" hangingPunct="1">
-              <a:lnSpc>
-                <a:spcPct val="90000"/>
-              </a:lnSpc>
-              <a:spcBef>
-                <a:spcPts val="500"/>
-              </a:spcBef>
-              <a:buFont typeface="Arial" panose="020B0604020202020204" pitchFamily="34" charset="0"/>
-              <a:buChar char="•"/>
-              <a:defRPr sz="1800" kern="1200">
-                <a:solidFill>
-                  <a:schemeClr val="tx1"/>
-                </a:solidFill>
-                <a:latin typeface="+mn-lt"/>
-                <a:ea typeface="+mn-ea"/>
-                <a:cs typeface="+mn-cs"/>
-              </a:defRPr>
-            </a:lvl4pPr>
-            <a:lvl5pPr marL="2057400" indent="-228600" algn="l" defTabSz="914400" rtl="0" eaLnBrk="1" latinLnBrk="0" hangingPunct="1">
-              <a:lnSpc>
-                <a:spcPct val="90000"/>
-              </a:lnSpc>
-              <a:spcBef>
-                <a:spcPts val="500"/>
-              </a:spcBef>
-              <a:buFont typeface="Arial" panose="020B0604020202020204" pitchFamily="34" charset="0"/>
-              <a:buChar char="•"/>
-              <a:defRPr sz="1800" kern="1200">
-                <a:solidFill>
-                  <a:schemeClr val="tx1"/>
-                </a:solidFill>
-                <a:latin typeface="+mn-lt"/>
-                <a:ea typeface="+mn-ea"/>
-                <a:cs typeface="+mn-cs"/>
-              </a:defRPr>
-            </a:lvl5pPr>
-            <a:lvl6pPr marL="2514600" indent="-228600" algn="l" defTabSz="914400" rtl="0" eaLnBrk="1" latinLnBrk="0" hangingPunct="1">
-              <a:lnSpc>
-                <a:spcPct val="90000"/>
-              </a:lnSpc>
-              <a:spcBef>
-                <a:spcPts val="500"/>
-              </a:spcBef>
-              <a:buFont typeface="Arial" panose="020B0604020202020204" pitchFamily="34" charset="0"/>
-              <a:buChar char="•"/>
-              <a:defRPr sz="1800" kern="1200">
-                <a:solidFill>
-                  <a:schemeClr val="tx1"/>
-                </a:solidFill>
-                <a:latin typeface="+mn-lt"/>
-                <a:ea typeface="+mn-ea"/>
-                <a:cs typeface="+mn-cs"/>
-              </a:defRPr>
-            </a:lvl6pPr>
-            <a:lvl7pPr marL="2971800" indent="-228600" algn="l" defTabSz="914400" rtl="0" eaLnBrk="1" latinLnBrk="0" hangingPunct="1">
-              <a:lnSpc>
-                <a:spcPct val="90000"/>
-              </a:lnSpc>
-              <a:spcBef>
-                <a:spcPts val="500"/>
-              </a:spcBef>
-              <a:buFont typeface="Arial" panose="020B0604020202020204" pitchFamily="34" charset="0"/>
-              <a:buChar char="•"/>
-              <a:defRPr sz="1800" kern="1200">
-                <a:solidFill>
-                  <a:schemeClr val="tx1"/>
-                </a:solidFill>
-                <a:latin typeface="+mn-lt"/>
-                <a:ea typeface="+mn-ea"/>
-                <a:cs typeface="+mn-cs"/>
-              </a:defRPr>
-            </a:lvl7pPr>
-            <a:lvl8pPr marL="3429000" indent="-228600" algn="l" defTabSz="914400" rtl="0" eaLnBrk="1" latinLnBrk="0" hangingPunct="1">
-              <a:lnSpc>
-                <a:spcPct val="90000"/>
-              </a:lnSpc>
-              <a:spcBef>
-                <a:spcPts val="500"/>
-              </a:spcBef>
-              <a:buFont typeface="Arial" panose="020B0604020202020204" pitchFamily="34" charset="0"/>
-              <a:buChar char="•"/>
-              <a:defRPr sz="1800" kern="1200">
-                <a:solidFill>
-                  <a:schemeClr val="tx1"/>
-                </a:solidFill>
-                <a:latin typeface="+mn-lt"/>
-                <a:ea typeface="+mn-ea"/>
-                <a:cs typeface="+mn-cs"/>
-              </a:defRPr>
-            </a:lvl8pPr>
-            <a:lvl9pPr marL="3886200" indent="-228600" algn="l" defTabSz="914400" rtl="0" eaLnBrk="1" latinLnBrk="0" hangingPunct="1">
-              <a:lnSpc>
-                <a:spcPct val="90000"/>
-              </a:lnSpc>
-              <a:spcBef>
-                <a:spcPts val="500"/>
-              </a:spcBef>
-              <a:buFont typeface="Arial" panose="020B0604020202020204" pitchFamily="34" charset="0"/>
-              <a:buChar char="•"/>
-              <a:defRPr sz="1800" kern="1200">
-                <a:solidFill>
-                  <a:schemeClr val="tx1"/>
-                </a:solidFill>
-                <a:latin typeface="+mn-lt"/>
-                <a:ea typeface="+mn-ea"/>
-                <a:cs typeface="+mn-cs"/>
-              </a:defRPr>
-            </a:lvl9pPr>
-          </a:lstStyle>
-          <a:p>
-            <a:pPr marL="0" indent="0">
-              <a:buNone/>
-            </a:pPr>
-            <a:r>
-              <a:rPr lang="en-GB" dirty="0"/>
-              <a:t>Work</a:t>
+              <a:rPr lang="en-GB" sz="2800" dirty="0">
+                <a:latin typeface="Calibri"/>
+                <a:cs typeface="Calibri"/>
+              </a:rPr>
+              <a:t>Results</a:t>
             </a:r>
           </a:p>
         </p:txBody>
@@ -9112,7 +7517,7 @@
     </p:spTree>
     <p:extLst>
       <p:ext uri="{BB962C8B-B14F-4D97-AF65-F5344CB8AC3E}">
-        <p14:creationId xmlns:p14="http://schemas.microsoft.com/office/powerpoint/2010/main" val="914208337"/>
+        <p14:creationId xmlns:p14="http://schemas.microsoft.com/office/powerpoint/2010/main" val="1795373662"/>
       </p:ext>
     </p:extLst>
   </p:cSld>
@@ -9156,7 +7561,7 @@
           <p:cNvPr id="2" name="Title 1">
             <a:extLst>
               <a:ext uri="{FF2B5EF4-FFF2-40B4-BE49-F238E27FC236}">
-                <a16:creationId xmlns:a16="http://schemas.microsoft.com/office/drawing/2014/main" id="{8090C6C1-9456-F9AE-A056-28A2F7BAF256}"/>
+                <a16:creationId xmlns:a16="http://schemas.microsoft.com/office/drawing/2014/main" id="{0C9C35E1-FBBE-9440-912E-4711DA592DBD}"/>
               </a:ext>
             </a:extLst>
           </p:cNvPr>
@@ -9173,308 +7578,181 @@
           <a:lstStyle/>
           <a:p>
             <a:r>
-              <a:rPr lang="en-US">
+              <a:rPr lang="en-US" dirty="0">
                 <a:cs typeface="Arial"/>
               </a:rPr>
-              <a:t>Introduction to Project</a:t>
+              <a:t>Steps taken</a:t>
             </a:r>
-            <a:endParaRPr lang="en-US"/>
+            <a:endParaRPr lang="en-US" dirty="0"/>
           </a:p>
         </p:txBody>
       </p:sp>
       <p:sp>
         <p:nvSpPr>
-          <p:cNvPr id="5" name="Content Placeholder 2">
+          <p:cNvPr id="4" name="TextBox 3">
             <a:extLst>
               <a:ext uri="{FF2B5EF4-FFF2-40B4-BE49-F238E27FC236}">
-                <a16:creationId xmlns:a16="http://schemas.microsoft.com/office/drawing/2014/main" id="{EEFEB994-B91D-61E2-12A0-973EA8D03974}"/>
+                <a16:creationId xmlns:a16="http://schemas.microsoft.com/office/drawing/2014/main" id="{131763EF-0EDB-F82E-A629-D5620739216D}"/>
               </a:ext>
             </a:extLst>
           </p:cNvPr>
-          <p:cNvSpPr txBox="1">
-            <a:spLocks/>
-          </p:cNvSpPr>
+          <p:cNvSpPr txBox="1"/>
           <p:nvPr/>
         </p:nvSpPr>
         <p:spPr>
           <a:xfrm>
-            <a:off x="3863151" y="1901483"/>
-            <a:ext cx="5893592" cy="3055033"/>
+            <a:off x="266987" y="1821327"/>
+            <a:ext cx="11801188" cy="4154984"/>
           </a:xfrm>
           <a:prstGeom prst="rect">
             <a:avLst/>
           </a:prstGeom>
+          <a:noFill/>
         </p:spPr>
         <p:txBody>
-          <a:bodyPr lIns="91440" tIns="45720" rIns="91440" bIns="45720" anchor="t"/>
-          <a:lstStyle>
-            <a:lvl1pPr marL="228600" indent="-228600" algn="l" defTabSz="914400" rtl="0" eaLnBrk="1" latinLnBrk="0" hangingPunct="1">
-              <a:lnSpc>
-                <a:spcPct val="90000"/>
-              </a:lnSpc>
-              <a:spcBef>
-                <a:spcPts val="1000"/>
-              </a:spcBef>
-              <a:buFont typeface="Arial" panose="020B0604020202020204" pitchFamily="34" charset="0"/>
-              <a:buChar char="•"/>
-              <a:defRPr sz="2800" kern="1200">
-                <a:solidFill>
-                  <a:schemeClr val="tx1"/>
-                </a:solidFill>
-                <a:latin typeface="+mn-lt"/>
-                <a:ea typeface="+mn-ea"/>
-                <a:cs typeface="+mn-cs"/>
-              </a:defRPr>
-            </a:lvl1pPr>
-            <a:lvl2pPr marL="685800" indent="-228600" algn="l" defTabSz="914400" rtl="0" eaLnBrk="1" latinLnBrk="0" hangingPunct="1">
-              <a:lnSpc>
-                <a:spcPct val="90000"/>
-              </a:lnSpc>
-              <a:spcBef>
-                <a:spcPts val="500"/>
-              </a:spcBef>
-              <a:buFont typeface="Arial" panose="020B0604020202020204" pitchFamily="34" charset="0"/>
-              <a:buChar char="•"/>
-              <a:defRPr sz="2400" kern="1200">
-                <a:solidFill>
-                  <a:schemeClr val="tx1"/>
-                </a:solidFill>
-                <a:latin typeface="+mn-lt"/>
-                <a:ea typeface="+mn-ea"/>
-                <a:cs typeface="+mn-cs"/>
-              </a:defRPr>
-            </a:lvl2pPr>
-            <a:lvl3pPr marL="1143000" indent="-228600" algn="l" defTabSz="914400" rtl="0" eaLnBrk="1" latinLnBrk="0" hangingPunct="1">
-              <a:lnSpc>
-                <a:spcPct val="90000"/>
-              </a:lnSpc>
-              <a:spcBef>
-                <a:spcPts val="500"/>
-              </a:spcBef>
-              <a:buFont typeface="Arial" panose="020B0604020202020204" pitchFamily="34" charset="0"/>
-              <a:buChar char="•"/>
-              <a:defRPr sz="2000" kern="1200">
-                <a:solidFill>
-                  <a:schemeClr val="tx1"/>
-                </a:solidFill>
-                <a:latin typeface="+mn-lt"/>
-                <a:ea typeface="+mn-ea"/>
-                <a:cs typeface="+mn-cs"/>
-              </a:defRPr>
-            </a:lvl3pPr>
-            <a:lvl4pPr marL="1600200" indent="-228600" algn="l" defTabSz="914400" rtl="0" eaLnBrk="1" latinLnBrk="0" hangingPunct="1">
-              <a:lnSpc>
-                <a:spcPct val="90000"/>
-              </a:lnSpc>
-              <a:spcBef>
-                <a:spcPts val="500"/>
-              </a:spcBef>
-              <a:buFont typeface="Arial" panose="020B0604020202020204" pitchFamily="34" charset="0"/>
-              <a:buChar char="•"/>
-              <a:defRPr sz="1800" kern="1200">
-                <a:solidFill>
-                  <a:schemeClr val="tx1"/>
-                </a:solidFill>
-                <a:latin typeface="+mn-lt"/>
-                <a:ea typeface="+mn-ea"/>
-                <a:cs typeface="+mn-cs"/>
-              </a:defRPr>
-            </a:lvl4pPr>
-            <a:lvl5pPr marL="2057400" indent="-228600" algn="l" defTabSz="914400" rtl="0" eaLnBrk="1" latinLnBrk="0" hangingPunct="1">
-              <a:lnSpc>
-                <a:spcPct val="90000"/>
-              </a:lnSpc>
-              <a:spcBef>
-                <a:spcPts val="500"/>
-              </a:spcBef>
-              <a:buFont typeface="Arial" panose="020B0604020202020204" pitchFamily="34" charset="0"/>
-              <a:buChar char="•"/>
-              <a:defRPr sz="1800" kern="1200">
-                <a:solidFill>
-                  <a:schemeClr val="tx1"/>
-                </a:solidFill>
-                <a:latin typeface="+mn-lt"/>
-                <a:ea typeface="+mn-ea"/>
-                <a:cs typeface="+mn-cs"/>
-              </a:defRPr>
-            </a:lvl5pPr>
-            <a:lvl6pPr marL="2514600" indent="-228600" algn="l" defTabSz="914400" rtl="0" eaLnBrk="1" latinLnBrk="0" hangingPunct="1">
-              <a:lnSpc>
-                <a:spcPct val="90000"/>
-              </a:lnSpc>
-              <a:spcBef>
-                <a:spcPts val="500"/>
-              </a:spcBef>
-              <a:buFont typeface="Arial" panose="020B0604020202020204" pitchFamily="34" charset="0"/>
-              <a:buChar char="•"/>
-              <a:defRPr sz="1800" kern="1200">
-                <a:solidFill>
-                  <a:schemeClr val="tx1"/>
-                </a:solidFill>
-                <a:latin typeface="+mn-lt"/>
-                <a:ea typeface="+mn-ea"/>
-                <a:cs typeface="+mn-cs"/>
-              </a:defRPr>
-            </a:lvl6pPr>
-            <a:lvl7pPr marL="2971800" indent="-228600" algn="l" defTabSz="914400" rtl="0" eaLnBrk="1" latinLnBrk="0" hangingPunct="1">
-              <a:lnSpc>
-                <a:spcPct val="90000"/>
-              </a:lnSpc>
-              <a:spcBef>
-                <a:spcPts val="500"/>
-              </a:spcBef>
-              <a:buFont typeface="Arial" panose="020B0604020202020204" pitchFamily="34" charset="0"/>
-              <a:buChar char="•"/>
-              <a:defRPr sz="1800" kern="1200">
-                <a:solidFill>
-                  <a:schemeClr val="tx1"/>
-                </a:solidFill>
-                <a:latin typeface="+mn-lt"/>
-                <a:ea typeface="+mn-ea"/>
-                <a:cs typeface="+mn-cs"/>
-              </a:defRPr>
-            </a:lvl7pPr>
-            <a:lvl8pPr marL="3429000" indent="-228600" algn="l" defTabSz="914400" rtl="0" eaLnBrk="1" latinLnBrk="0" hangingPunct="1">
-              <a:lnSpc>
-                <a:spcPct val="90000"/>
-              </a:lnSpc>
-              <a:spcBef>
-                <a:spcPts val="500"/>
-              </a:spcBef>
-              <a:buFont typeface="Arial" panose="020B0604020202020204" pitchFamily="34" charset="0"/>
-              <a:buChar char="•"/>
-              <a:defRPr sz="1800" kern="1200">
-                <a:solidFill>
-                  <a:schemeClr val="tx1"/>
-                </a:solidFill>
-                <a:latin typeface="+mn-lt"/>
-                <a:ea typeface="+mn-ea"/>
-                <a:cs typeface="+mn-cs"/>
-              </a:defRPr>
-            </a:lvl8pPr>
-            <a:lvl9pPr marL="3886200" indent="-228600" algn="l" defTabSz="914400" rtl="0" eaLnBrk="1" latinLnBrk="0" hangingPunct="1">
-              <a:lnSpc>
-                <a:spcPct val="90000"/>
-              </a:lnSpc>
-              <a:spcBef>
-                <a:spcPts val="500"/>
-              </a:spcBef>
-              <a:buFont typeface="Arial" panose="020B0604020202020204" pitchFamily="34" charset="0"/>
-              <a:buChar char="•"/>
-              <a:defRPr sz="1800" kern="1200">
-                <a:solidFill>
-                  <a:schemeClr val="tx1"/>
-                </a:solidFill>
-                <a:latin typeface="+mn-lt"/>
-                <a:ea typeface="+mn-ea"/>
-                <a:cs typeface="+mn-cs"/>
-              </a:defRPr>
-            </a:lvl9pPr>
-          </a:lstStyle>
-          <a:p>
-            <a:pPr>
-              <a:buFont typeface="Wingdings" panose="05000000000000000000" pitchFamily="2" charset="2"/>
-              <a:buChar char="q"/>
-            </a:pPr>
-            <a:endParaRPr lang="en-GB" dirty="0">
-              <a:latin typeface="Calibri" panose="020F0502020204030204" pitchFamily="34" charset="0"/>
-              <a:cs typeface="Calibri" panose="020F0502020204030204" pitchFamily="34" charset="0"/>
-            </a:endParaRPr>
-          </a:p>
-          <a:p>
-            <a:pPr lvl="1">
-              <a:buFont typeface="Wingdings" pitchFamily="2" charset="2"/>
-              <a:buChar char="Ø"/>
+          <a:bodyPr rot="0" spcFirstLastPara="0" vertOverflow="overflow" horzOverflow="overflow" vert="horz" wrap="square" lIns="91440" tIns="45720" rIns="91440" bIns="45720" numCol="1" spcCol="0" rtlCol="0" fromWordArt="0" anchor="t" anchorCtr="0" forceAA="0" compatLnSpc="1">
+            <a:prstTxWarp prst="textNoShape">
+              <a:avLst/>
+            </a:prstTxWarp>
+            <a:spAutoFit/>
+          </a:bodyPr>
+          <a:lstStyle/>
+          <a:p>
+            <a:pPr marL="457200" indent="-457200">
+              <a:buFont typeface="+mj-lt"/>
+              <a:buAutoNum type="arabicPeriod"/>
             </a:pPr>
             <a:r>
-              <a:rPr lang="en-GB" dirty="0">
-                <a:latin typeface="Calibri"/>
-                <a:cs typeface="Calibri"/>
+              <a:rPr lang="en-GB" sz="2400" dirty="0">
+                <a:latin typeface="+mj-lt"/>
+                <a:cs typeface="Arial"/>
               </a:rPr>
-              <a:t> Overview   </a:t>
+              <a:t>Pre-process the master dataset</a:t>
             </a:r>
           </a:p>
           <a:p>
-            <a:pPr lvl="2">
-              <a:buFont typeface="Wingdings" pitchFamily="2" charset="2"/>
-              <a:buChar char="Ø"/>
+            <a:pPr marL="457200" indent="-457200">
+              <a:buFont typeface="+mj-lt"/>
+              <a:buAutoNum type="arabicPeriod"/>
             </a:pPr>
             <a:r>
-              <a:rPr lang="en-GB" dirty="0">
-                <a:latin typeface="Calibri"/>
-                <a:cs typeface="Calibri"/>
+              <a:rPr lang="en-GB" sz="2400" dirty="0">
+                <a:latin typeface="+mj-lt"/>
+                <a:cs typeface="Arial"/>
               </a:rPr>
-              <a:t>Steps taken</a:t>
+              <a:t>Select the Method for Extracting Features and training the Face Recognition model</a:t>
             </a:r>
           </a:p>
           <a:p>
-            <a:pPr lvl="2">
-              <a:buFont typeface="Wingdings" pitchFamily="2" charset="2"/>
-              <a:buChar char="Ø"/>
+            <a:pPr marL="914400" lvl="1" indent="-457200">
+              <a:buFont typeface="+mj-lt"/>
+              <a:buAutoNum type="arabicPeriod"/>
             </a:pPr>
             <a:r>
-              <a:rPr lang="en-GB" dirty="0">
-                <a:latin typeface="Calibri"/>
-                <a:cs typeface="Calibri"/>
-              </a:rPr>
-              <a:t>Pre-Processing</a:t>
-            </a:r>
-          </a:p>
-          <a:p>
-            <a:pPr lvl="2">
-              <a:buFont typeface="Wingdings" pitchFamily="2" charset="2"/>
-              <a:buChar char="Ø"/>
-            </a:pPr>
-            <a:r>
-              <a:rPr lang="en-GB" dirty="0">
-                <a:latin typeface="Calibri"/>
-                <a:cs typeface="Calibri"/>
+              <a:rPr lang="en-GB" sz="2400" dirty="0">
+                <a:latin typeface="+mj-lt"/>
+                <a:cs typeface="Arial"/>
               </a:rPr>
               <a:t>HOG (Histogram of Oriented Gradients)</a:t>
             </a:r>
           </a:p>
           <a:p>
-            <a:pPr lvl="2">
-              <a:buFont typeface="Wingdings" pitchFamily="2" charset="2"/>
-              <a:buChar char="Ø"/>
+            <a:pPr marL="914400" lvl="1" indent="-457200">
+              <a:buFont typeface="+mj-lt"/>
+              <a:buAutoNum type="arabicPeriod"/>
             </a:pPr>
             <a:r>
-              <a:rPr lang="en-GB" dirty="0">
-                <a:latin typeface="Calibri"/>
-                <a:cs typeface="Calibri"/>
+              <a:rPr lang="en-GB" sz="2400" dirty="0">
+                <a:latin typeface="+mj-lt"/>
+                <a:cs typeface="Arial"/>
+              </a:rPr>
+              <a:t>Deep Learning</a:t>
+            </a:r>
+          </a:p>
+          <a:p>
+            <a:pPr marL="914400" lvl="1" indent="-457200">
+              <a:buFont typeface="+mj-lt"/>
+              <a:buAutoNum type="arabicPeriod"/>
+            </a:pPr>
+            <a:r>
+              <a:rPr lang="en-GB" sz="2400" dirty="0">
+                <a:latin typeface="+mj-lt"/>
+                <a:cs typeface="Arial"/>
               </a:rPr>
               <a:t>SVM (Support Vector Machines)</a:t>
             </a:r>
           </a:p>
           <a:p>
-            <a:pPr lvl="2">
-              <a:buFont typeface="Wingdings" pitchFamily="2" charset="2"/>
-              <a:buChar char="Ø"/>
+            <a:pPr marL="457200" indent="-457200">
+              <a:buFont typeface="+mj-lt"/>
+              <a:buAutoNum type="arabicPeriod"/>
             </a:pPr>
             <a:r>
-              <a:rPr lang="en-GB" dirty="0">
-                <a:latin typeface="Calibri"/>
-                <a:cs typeface="Calibri"/>
+              <a:rPr lang="en-GB" sz="2400" dirty="0">
+                <a:latin typeface="+mj-lt"/>
+                <a:cs typeface="Arial"/>
               </a:rPr>
-              <a:t>Results</a:t>
+              <a:t>Train the model</a:t>
             </a:r>
           </a:p>
           <a:p>
-            <a:pPr lvl="2">
-              <a:buFont typeface="Wingdings" pitchFamily="2" charset="2"/>
-              <a:buChar char="Ø"/>
+            <a:pPr marL="457200" indent="-457200">
+              <a:buFont typeface="+mj-lt"/>
+              <a:buAutoNum type="arabicPeriod"/>
             </a:pPr>
-            <a:endParaRPr lang="en-GB" dirty="0">
-              <a:latin typeface="Calibri"/>
-              <a:cs typeface="Calibri"/>
-            </a:endParaRPr>
+            <a:r>
+              <a:rPr lang="en-GB" sz="2400" dirty="0">
+                <a:latin typeface="+mj-lt"/>
+                <a:cs typeface="Arial"/>
+              </a:rPr>
+              <a:t>Test the model</a:t>
+            </a:r>
+          </a:p>
+          <a:p>
+            <a:pPr marL="457200" indent="-457200">
+              <a:buFont typeface="+mj-lt"/>
+              <a:buAutoNum type="arabicPeriod"/>
+            </a:pPr>
+            <a:r>
+              <a:rPr lang="en-GB" sz="2400" dirty="0">
+                <a:latin typeface="+mj-lt"/>
+                <a:cs typeface="Arial"/>
+              </a:rPr>
+              <a:t>Refine the model if the accuracy is not adequate</a:t>
+            </a:r>
+          </a:p>
+          <a:p>
+            <a:pPr marL="457200" indent="-457200">
+              <a:buFont typeface="+mj-lt"/>
+              <a:buAutoNum type="arabicPeriod"/>
+            </a:pPr>
+            <a:r>
+              <a:rPr lang="en-GB" sz="2400" dirty="0">
+                <a:latin typeface="+mj-lt"/>
+                <a:cs typeface="Arial"/>
+              </a:rPr>
+              <a:t>Test the model</a:t>
+            </a:r>
+          </a:p>
+          <a:p>
+            <a:pPr marL="457200" indent="-457200">
+              <a:buFont typeface="+mj-lt"/>
+              <a:buAutoNum type="arabicPeriod"/>
+            </a:pPr>
+            <a:r>
+              <a:rPr lang="en-GB" sz="2400" dirty="0">
+                <a:latin typeface="+mj-lt"/>
+                <a:cs typeface="Arial"/>
+              </a:rPr>
+              <a:t>Repeat from step 3 till the required accuracy is reached</a:t>
+            </a:r>
           </a:p>
         </p:txBody>
       </p:sp>
     </p:spTree>
     <p:extLst>
       <p:ext uri="{BB962C8B-B14F-4D97-AF65-F5344CB8AC3E}">
-        <p14:creationId xmlns:p14="http://schemas.microsoft.com/office/powerpoint/2010/main" val="1795373662"/>
+        <p14:creationId xmlns:p14="http://schemas.microsoft.com/office/powerpoint/2010/main" val="3644002837"/>
       </p:ext>
     </p:extLst>
   </p:cSld>
@@ -9518,215 +7796,6 @@
           <p:cNvPr id="2" name="Title 1">
             <a:extLst>
               <a:ext uri="{FF2B5EF4-FFF2-40B4-BE49-F238E27FC236}">
-                <a16:creationId xmlns:a16="http://schemas.microsoft.com/office/drawing/2014/main" id="{0C9C35E1-FBBE-9440-912E-4711DA592DBD}"/>
-              </a:ext>
-            </a:extLst>
-          </p:cNvPr>
-          <p:cNvSpPr>
-            <a:spLocks noGrp="1"/>
-          </p:cNvSpPr>
-          <p:nvPr>
-            <p:ph type="title"/>
-          </p:nvPr>
-        </p:nvSpPr>
-        <p:spPr/>
-        <p:txBody>
-          <a:bodyPr/>
-          <a:lstStyle/>
-          <a:p>
-            <a:r>
-              <a:rPr lang="en-US" dirty="0">
-                <a:cs typeface="Arial"/>
-              </a:rPr>
-              <a:t>Steps taken</a:t>
-            </a:r>
-            <a:endParaRPr lang="en-US" dirty="0"/>
-          </a:p>
-        </p:txBody>
-      </p:sp>
-      <p:sp>
-        <p:nvSpPr>
-          <p:cNvPr id="4" name="TextBox 3">
-            <a:extLst>
-              <a:ext uri="{FF2B5EF4-FFF2-40B4-BE49-F238E27FC236}">
-                <a16:creationId xmlns:a16="http://schemas.microsoft.com/office/drawing/2014/main" id="{131763EF-0EDB-F82E-A629-D5620739216D}"/>
-              </a:ext>
-            </a:extLst>
-          </p:cNvPr>
-          <p:cNvSpPr txBox="1"/>
-          <p:nvPr/>
-        </p:nvSpPr>
-        <p:spPr>
-          <a:xfrm>
-            <a:off x="266988" y="1821327"/>
-            <a:ext cx="6830724" cy="3785652"/>
-          </a:xfrm>
-          <a:prstGeom prst="rect">
-            <a:avLst/>
-          </a:prstGeom>
-          <a:noFill/>
-        </p:spPr>
-        <p:txBody>
-          <a:bodyPr rot="0" spcFirstLastPara="0" vertOverflow="overflow" horzOverflow="overflow" vert="horz" wrap="square" lIns="91440" tIns="45720" rIns="91440" bIns="45720" numCol="1" spcCol="0" rtlCol="0" fromWordArt="0" anchor="t" anchorCtr="0" forceAA="0" compatLnSpc="1">
-            <a:prstTxWarp prst="textNoShape">
-              <a:avLst/>
-            </a:prstTxWarp>
-            <a:spAutoFit/>
-          </a:bodyPr>
-          <a:lstStyle/>
-          <a:p>
-            <a:pPr marL="342900" indent="-342900">
-              <a:buFont typeface="Arial"/>
-              <a:buChar char="•"/>
-            </a:pPr>
-            <a:r>
-              <a:rPr lang="en-GB" sz="2400" dirty="0">
-                <a:latin typeface="+mj-lt"/>
-                <a:cs typeface="Arial"/>
-              </a:rPr>
-              <a:t>Pre-process the master dataset</a:t>
-            </a:r>
-          </a:p>
-          <a:p>
-            <a:pPr marL="342900" indent="-342900">
-              <a:buFont typeface="Arial"/>
-              <a:buChar char="•"/>
-            </a:pPr>
-            <a:r>
-              <a:rPr lang="en-GB" sz="2400" dirty="0">
-                <a:latin typeface="+mj-lt"/>
-                <a:cs typeface="Arial"/>
-              </a:rPr>
-              <a:t>Select the Method for Training the Face Recognition model</a:t>
-            </a:r>
-          </a:p>
-          <a:p>
-            <a:pPr marL="800100" lvl="1" indent="-342900">
-              <a:buFont typeface="Arial"/>
-              <a:buChar char="•"/>
-            </a:pPr>
-            <a:r>
-              <a:rPr lang="en-GB" sz="2400" dirty="0">
-                <a:latin typeface="+mj-lt"/>
-                <a:cs typeface="Arial"/>
-              </a:rPr>
-              <a:t>HOG (Histogram of Oriented Gradients)</a:t>
-            </a:r>
-          </a:p>
-          <a:p>
-            <a:pPr marL="800100" lvl="1" indent="-342900">
-              <a:buFont typeface="Arial"/>
-              <a:buChar char="•"/>
-            </a:pPr>
-            <a:r>
-              <a:rPr lang="en-GB" sz="2400" dirty="0">
-                <a:latin typeface="+mj-lt"/>
-                <a:cs typeface="Arial"/>
-              </a:rPr>
-              <a:t>Deep Learning</a:t>
-            </a:r>
-          </a:p>
-          <a:p>
-            <a:pPr marL="342900" indent="-342900">
-              <a:buFont typeface="Arial"/>
-              <a:buChar char="•"/>
-            </a:pPr>
-            <a:r>
-              <a:rPr lang="en-GB" sz="2400" dirty="0">
-                <a:latin typeface="+mj-lt"/>
-                <a:cs typeface="Arial"/>
-              </a:rPr>
-              <a:t>Train the model</a:t>
-            </a:r>
-          </a:p>
-          <a:p>
-            <a:pPr marL="342900" indent="-342900">
-              <a:buFont typeface="Arial"/>
-              <a:buChar char="•"/>
-            </a:pPr>
-            <a:r>
-              <a:rPr lang="en-GB" sz="2400" dirty="0">
-                <a:latin typeface="+mj-lt"/>
-                <a:cs typeface="Arial"/>
-              </a:rPr>
-              <a:t>Test the model</a:t>
-            </a:r>
-          </a:p>
-          <a:p>
-            <a:pPr marL="342900" indent="-342900">
-              <a:buFont typeface="Arial"/>
-              <a:buChar char="•"/>
-            </a:pPr>
-            <a:r>
-              <a:rPr lang="en-GB" sz="2400" dirty="0">
-                <a:latin typeface="+mj-lt"/>
-                <a:cs typeface="Arial"/>
-              </a:rPr>
-              <a:t>Refine the model if the accuracy is not adequate</a:t>
-            </a:r>
-          </a:p>
-          <a:p>
-            <a:pPr marL="342900" indent="-342900">
-              <a:buFont typeface="Arial"/>
-              <a:buChar char="•"/>
-            </a:pPr>
-            <a:r>
-              <a:rPr lang="en-GB" sz="2400" dirty="0">
-                <a:latin typeface="+mj-lt"/>
-                <a:cs typeface="Arial"/>
-              </a:rPr>
-              <a:t>Test the model</a:t>
-            </a:r>
-          </a:p>
-        </p:txBody>
-      </p:sp>
-    </p:spTree>
-    <p:extLst>
-      <p:ext uri="{BB962C8B-B14F-4D97-AF65-F5344CB8AC3E}">
-        <p14:creationId xmlns:p14="http://schemas.microsoft.com/office/powerpoint/2010/main" val="3644002837"/>
-      </p:ext>
-    </p:extLst>
-  </p:cSld>
-  <p:clrMapOvr>
-    <a:masterClrMapping/>
-  </p:clrMapOvr>
-  <mc:AlternateContent xmlns:mc="http://schemas.openxmlformats.org/markup-compatibility/2006" xmlns:p14="http://schemas.microsoft.com/office/powerpoint/2010/main">
-    <mc:Choice Requires="p14">
-      <p:transition spd="med" p14:dur="700">
-        <p:fade/>
-      </p:transition>
-    </mc:Choice>
-    <mc:Fallback xmlns="">
-      <p:transition spd="med">
-        <p:fade/>
-      </p:transition>
-    </mc:Fallback>
-  </mc:AlternateContent>
-</p:sld>
-</file>
-
-<file path=ppt/slides/slide5.xml><?xml version="1.0" encoding="utf-8"?>
-<p:sld xmlns:a="http://schemas.openxmlformats.org/drawingml/2006/main" xmlns:r="http://schemas.openxmlformats.org/officeDocument/2006/relationships" xmlns:p="http://schemas.openxmlformats.org/presentationml/2006/main">
-  <p:cSld>
-    <p:spTree>
-      <p:nvGrpSpPr>
-        <p:cNvPr id="1" name=""/>
-        <p:cNvGrpSpPr/>
-        <p:nvPr/>
-      </p:nvGrpSpPr>
-      <p:grpSpPr>
-        <a:xfrm>
-          <a:off x="0" y="0"/>
-          <a:ext cx="0" cy="0"/>
-          <a:chOff x="0" y="0"/>
-          <a:chExt cx="0" cy="0"/>
-        </a:xfrm>
-      </p:grpSpPr>
-      <p:sp>
-        <p:nvSpPr>
-          <p:cNvPr id="2" name="Title 1">
-            <a:extLst>
-              <a:ext uri="{FF2B5EF4-FFF2-40B4-BE49-F238E27FC236}">
                 <a16:creationId xmlns:a16="http://schemas.microsoft.com/office/drawing/2014/main" id="{0A642C1F-C8E9-E663-4782-2259DB715ECA}"/>
               </a:ext>
             </a:extLst>
@@ -9819,7 +7888,7 @@
                 <a:latin typeface="+mj-lt"/>
                 <a:cs typeface="Arial"/>
               </a:rPr>
-              <a:t>Resize the image to desired size</a:t>
+              <a:t>Resize the image to desired shape</a:t>
             </a:r>
           </a:p>
           <a:p>
@@ -9892,7 +7961,7 @@
 </p:sld>
 </file>
 
-<file path=ppt/slides/slide6.xml><?xml version="1.0" encoding="utf-8"?>
+<file path=ppt/slides/slide5.xml><?xml version="1.0" encoding="utf-8"?>
 <p:sld xmlns:a="http://schemas.openxmlformats.org/drawingml/2006/main" xmlns:r="http://schemas.openxmlformats.org/officeDocument/2006/relationships" xmlns:p="http://schemas.openxmlformats.org/presentationml/2006/main">
   <p:cSld>
     <p:spTree>
@@ -10129,7 +8198,7 @@
 </p:sld>
 </file>
 
-<file path=ppt/slides/slide7.xml><?xml version="1.0" encoding="utf-8"?>
+<file path=ppt/slides/slide6.xml><?xml version="1.0" encoding="utf-8"?>
 <p:sld xmlns:a="http://schemas.openxmlformats.org/drawingml/2006/main" xmlns:r="http://schemas.openxmlformats.org/officeDocument/2006/relationships" xmlns:p="http://schemas.openxmlformats.org/presentationml/2006/main">
   <p:cSld>
     <p:spTree>
@@ -10403,7 +8472,7 @@
 </p:sld>
 </file>
 
-<file path=ppt/slides/slide8.xml><?xml version="1.0" encoding="utf-8"?>
+<file path=ppt/slides/slide7.xml><?xml version="1.0" encoding="utf-8"?>
 <p:sld xmlns:a="http://schemas.openxmlformats.org/drawingml/2006/main" xmlns:r="http://schemas.openxmlformats.org/officeDocument/2006/relationships" xmlns:p="http://schemas.openxmlformats.org/presentationml/2006/main">
   <p:cSld>
     <p:spTree>
@@ -10451,126 +8520,77 @@
           </a:p>
         </p:txBody>
       </p:sp>
-      <p:pic>
-        <p:nvPicPr>
-          <p:cNvPr id="4" name="Picture 4" descr="Table&#10;&#10;Description automatically generated">
+      <p:sp>
+        <p:nvSpPr>
+          <p:cNvPr id="10" name="TextBox 9">
             <a:extLst>
               <a:ext uri="{FF2B5EF4-FFF2-40B4-BE49-F238E27FC236}">
-                <a16:creationId xmlns:a16="http://schemas.microsoft.com/office/drawing/2014/main" id="{535F9167-3510-73A7-D630-1F6908DBE544}"/>
+                <a16:creationId xmlns:a16="http://schemas.microsoft.com/office/drawing/2014/main" id="{C18B7085-1E72-AEB1-A8A6-3377605043C1}"/>
               </a:ext>
             </a:extLst>
           </p:cNvPr>
-          <p:cNvPicPr>
-            <a:picLocks noChangeAspect="1"/>
-          </p:cNvPicPr>
+          <p:cNvSpPr txBox="1"/>
           <p:nvPr/>
-        </p:nvPicPr>
-        <p:blipFill>
-          <a:blip r:embed="rId3"/>
-          <a:stretch>
-            <a:fillRect/>
-          </a:stretch>
-        </p:blipFill>
+        </p:nvSpPr>
         <p:spPr>
           <a:xfrm>
-            <a:off x="6194232" y="3927612"/>
-            <a:ext cx="5742038" cy="2078086"/>
+            <a:off x="266987" y="1229231"/>
+            <a:ext cx="11515437" cy="1200329"/>
           </a:xfrm>
           <a:prstGeom prst="rect">
             <a:avLst/>
           </a:prstGeom>
+          <a:noFill/>
         </p:spPr>
-      </p:pic>
-      <p:pic>
-        <p:nvPicPr>
-          <p:cNvPr id="5" name="Picture 5" descr="Chart&#10;&#10;Description automatically generated">
-            <a:extLst>
-              <a:ext uri="{FF2B5EF4-FFF2-40B4-BE49-F238E27FC236}">
-                <a16:creationId xmlns:a16="http://schemas.microsoft.com/office/drawing/2014/main" id="{982FD17F-1154-C011-2857-49A2DE77BBA5}"/>
-              </a:ext>
-            </a:extLst>
-          </p:cNvPr>
-          <p:cNvPicPr>
-            <a:picLocks noChangeAspect="1"/>
-          </p:cNvPicPr>
-          <p:nvPr/>
-        </p:nvPicPr>
-        <p:blipFill>
-          <a:blip r:embed="rId4"/>
-          <a:stretch>
-            <a:fillRect/>
-          </a:stretch>
-        </p:blipFill>
-        <p:spPr>
-          <a:xfrm>
-            <a:off x="493343" y="3431156"/>
-            <a:ext cx="5946422" cy="3297689"/>
-          </a:xfrm>
-          <a:prstGeom prst="rect">
-            <a:avLst/>
-          </a:prstGeom>
-        </p:spPr>
-      </p:pic>
-      <p:pic>
-        <p:nvPicPr>
-          <p:cNvPr id="6" name="Picture 6" descr="Table&#10;&#10;Description automatically generated">
-            <a:extLst>
-              <a:ext uri="{FF2B5EF4-FFF2-40B4-BE49-F238E27FC236}">
-                <a16:creationId xmlns:a16="http://schemas.microsoft.com/office/drawing/2014/main" id="{DC6EDC67-9D3E-A43C-097D-AD24DD61F45F}"/>
-              </a:ext>
-            </a:extLst>
-          </p:cNvPr>
-          <p:cNvPicPr>
-            <a:picLocks noChangeAspect="1"/>
-          </p:cNvPicPr>
-          <p:nvPr/>
-        </p:nvPicPr>
-        <p:blipFill>
-          <a:blip r:embed="rId5"/>
-          <a:stretch>
-            <a:fillRect/>
-          </a:stretch>
-        </p:blipFill>
-        <p:spPr>
-          <a:xfrm>
-            <a:off x="6638245" y="1078283"/>
-            <a:ext cx="4734231" cy="2273867"/>
-          </a:xfrm>
-          <a:prstGeom prst="rect">
-            <a:avLst/>
-          </a:prstGeom>
-        </p:spPr>
-      </p:pic>
-      <p:pic>
-        <p:nvPicPr>
-          <p:cNvPr id="7" name="Picture 7" descr="Table&#10;&#10;Description automatically generated">
-            <a:extLst>
-              <a:ext uri="{FF2B5EF4-FFF2-40B4-BE49-F238E27FC236}">
-                <a16:creationId xmlns:a16="http://schemas.microsoft.com/office/drawing/2014/main" id="{7C8982FD-BB14-BD9E-3DB6-4852C8252372}"/>
-              </a:ext>
-            </a:extLst>
-          </p:cNvPr>
-          <p:cNvPicPr>
-            <a:picLocks noChangeAspect="1"/>
-          </p:cNvPicPr>
-          <p:nvPr/>
-        </p:nvPicPr>
-        <p:blipFill>
-          <a:blip r:embed="rId6"/>
-          <a:stretch>
-            <a:fillRect/>
-          </a:stretch>
-        </p:blipFill>
-        <p:spPr>
-          <a:xfrm>
-            <a:off x="1014999" y="1078833"/>
-            <a:ext cx="5078361" cy="2275497"/>
-          </a:xfrm>
-          <a:prstGeom prst="rect">
-            <a:avLst/>
-          </a:prstGeom>
-        </p:spPr>
-      </p:pic>
+        <p:txBody>
+          <a:bodyPr rot="0" spcFirstLastPara="0" vertOverflow="overflow" horzOverflow="overflow" vert="horz" wrap="square" lIns="91440" tIns="45720" rIns="91440" bIns="45720" numCol="1" spcCol="0" rtlCol="0" fromWordArt="0" anchor="t" anchorCtr="0" forceAA="0" compatLnSpc="1">
+            <a:prstTxWarp prst="textNoShape">
+              <a:avLst/>
+            </a:prstTxWarp>
+            <a:spAutoFit/>
+          </a:bodyPr>
+          <a:lstStyle/>
+          <a:p>
+            <a:pPr marL="342900" indent="-342900">
+              <a:buFont typeface="Arial"/>
+              <a:buChar char="•"/>
+            </a:pPr>
+            <a:r>
+              <a:rPr lang="en-GB" sz="2400" dirty="0">
+                <a:latin typeface="+mj-lt"/>
+                <a:cs typeface="Arial"/>
+              </a:rPr>
+              <a:t>The model gives an accuracy of 100% in both testing and validation stages</a:t>
+            </a:r>
+          </a:p>
+          <a:p>
+            <a:pPr marL="342900" indent="-342900">
+              <a:buFont typeface="Arial"/>
+              <a:buChar char="•"/>
+            </a:pPr>
+            <a:r>
+              <a:rPr lang="en-GB" sz="2400" dirty="0">
+                <a:latin typeface="+mj-lt"/>
+                <a:cs typeface="Arial"/>
+              </a:rPr>
+              <a:t>Total 8 different classes have been used</a:t>
+            </a:r>
+          </a:p>
+          <a:p>
+            <a:pPr marL="342900" indent="-342900">
+              <a:buFont typeface="Arial"/>
+              <a:buChar char="•"/>
+            </a:pPr>
+            <a:r>
+              <a:rPr lang="en-GB" sz="2400" dirty="0">
+                <a:latin typeface="+mj-lt"/>
+                <a:cs typeface="Arial"/>
+              </a:rPr>
+              <a:t>Each class contains 20 pictures of the class</a:t>
+            </a:r>
+          </a:p>
+        </p:txBody>
+      </p:sp>
     </p:spTree>
     <p:extLst>
       <p:ext uri="{BB962C8B-B14F-4D97-AF65-F5344CB8AC3E}">
@@ -10596,7 +8616,7 @@
 </p:sld>
 </file>
 
-<file path=ppt/slides/slide9.xml><?xml version="1.0" encoding="utf-8"?>
+<file path=ppt/slides/slide8.xml><?xml version="1.0" encoding="utf-8"?>
 <p:sld xmlns:a="http://schemas.openxmlformats.org/drawingml/2006/main" xmlns:r="http://schemas.openxmlformats.org/officeDocument/2006/relationships" xmlns:p="http://schemas.openxmlformats.org/presentationml/2006/main">
   <p:cSld>
     <p:spTree>
@@ -10650,6 +8670,45 @@
                 <a:cs typeface="Arial"/>
               </a:rPr>
               <a:t>Thank You</a:t>
+            </a:r>
+          </a:p>
+        </p:txBody>
+      </p:sp>
+      <p:sp>
+        <p:nvSpPr>
+          <p:cNvPr id="3" name="TextBox 2">
+            <a:extLst>
+              <a:ext uri="{FF2B5EF4-FFF2-40B4-BE49-F238E27FC236}">
+                <a16:creationId xmlns:a16="http://schemas.microsoft.com/office/drawing/2014/main" id="{74A57AFC-C786-C4CD-AE99-EF32DD92F301}"/>
+              </a:ext>
+            </a:extLst>
+          </p:cNvPr>
+          <p:cNvSpPr txBox="1"/>
+          <p:nvPr/>
+        </p:nvSpPr>
+        <p:spPr>
+          <a:xfrm>
+            <a:off x="266988" y="6287185"/>
+            <a:ext cx="9753600" cy="369332"/>
+          </a:xfrm>
+          <a:prstGeom prst="rect">
+            <a:avLst/>
+          </a:prstGeom>
+          <a:noFill/>
+        </p:spPr>
+        <p:txBody>
+          <a:bodyPr wrap="square">
+            <a:spAutoFit/>
+          </a:bodyPr>
+          <a:lstStyle/>
+          <a:p>
+            <a:r>
+              <a:rPr lang="en-IN" b="1" dirty="0"/>
+              <a:t>Code: </a:t>
+            </a:r>
+            <a:r>
+              <a:rPr lang="en-IN" dirty="0"/>
+              <a:t>https://github.com/Srushanth/UoN-COMP4106-Face-Recognition-using-MATLAB</a:t>
             </a:r>
           </a:p>
         </p:txBody>

--- a/Presentation/Presentation-Sample.pptx
+++ b/Presentation/Presentation-Sample.pptx
@@ -5,20 +5,21 @@
     <p:sldMasterId id="2147483648" r:id="rId1"/>
   </p:sldMasterIdLst>
   <p:notesMasterIdLst>
-    <p:notesMasterId r:id="rId10"/>
+    <p:notesMasterId r:id="rId11"/>
   </p:notesMasterIdLst>
   <p:handoutMasterIdLst>
-    <p:handoutMasterId r:id="rId11"/>
+    <p:handoutMasterId r:id="rId12"/>
   </p:handoutMasterIdLst>
   <p:sldIdLst>
     <p:sldId id="289" r:id="rId2"/>
     <p:sldId id="3219" r:id="rId3"/>
-    <p:sldId id="3192" r:id="rId4"/>
-    <p:sldId id="3214" r:id="rId5"/>
-    <p:sldId id="3217" r:id="rId6"/>
-    <p:sldId id="3221" r:id="rId7"/>
-    <p:sldId id="3212" r:id="rId8"/>
-    <p:sldId id="3220" r:id="rId9"/>
+    <p:sldId id="3222" r:id="rId4"/>
+    <p:sldId id="3192" r:id="rId5"/>
+    <p:sldId id="3214" r:id="rId6"/>
+    <p:sldId id="3217" r:id="rId7"/>
+    <p:sldId id="3221" r:id="rId8"/>
+    <p:sldId id="3212" r:id="rId9"/>
+    <p:sldId id="3220" r:id="rId10"/>
   </p:sldIdLst>
   <p:sldSz cx="12192000" cy="6858000"/>
   <p:notesSz cx="6858000" cy="9144000"/>
@@ -124,6 +125,7 @@
           <p14:sldIdLst>
             <p14:sldId id="289"/>
             <p14:sldId id="3219"/>
+            <p14:sldId id="3222"/>
             <p14:sldId id="3192"/>
             <p14:sldId id="3214"/>
             <p14:sldId id="3217"/>
@@ -1986,6 +1988,102 @@
     </pc:docChg>
   </pc:docChgLst>
   <pc:docChgLst>
+    <pc:chgData name="SRUSHANTH BARIDE" userId="S::ppxsb5@nottingham.ac.uk::8f8a5611-3295-433a-9119-87e3665efd01" providerId="AD" clId="Web-{7A5E178B-AED2-46A5-A066-020EB0E18D52}"/>
+    <pc:docChg chg="modSld">
+      <pc:chgData name="SRUSHANTH BARIDE" userId="S::ppxsb5@nottingham.ac.uk::8f8a5611-3295-433a-9119-87e3665efd01" providerId="AD" clId="Web-{7A5E178B-AED2-46A5-A066-020EB0E18D52}" dt="2022-05-07T15:28:47.183" v="229" actId="1076"/>
+      <pc:docMkLst>
+        <pc:docMk/>
+      </pc:docMkLst>
+      <pc:sldChg chg="addSp delSp modSp">
+        <pc:chgData name="SRUSHANTH BARIDE" userId="S::ppxsb5@nottingham.ac.uk::8f8a5611-3295-433a-9119-87e3665efd01" providerId="AD" clId="Web-{7A5E178B-AED2-46A5-A066-020EB0E18D52}" dt="2022-05-07T15:28:47.183" v="229" actId="1076"/>
+        <pc:sldMkLst>
+          <pc:docMk/>
+          <pc:sldMk cId="657292584" sldId="3217"/>
+        </pc:sldMkLst>
+        <pc:spChg chg="mod">
+          <ac:chgData name="SRUSHANTH BARIDE" userId="S::ppxsb5@nottingham.ac.uk::8f8a5611-3295-433a-9119-87e3665efd01" providerId="AD" clId="Web-{7A5E178B-AED2-46A5-A066-020EB0E18D52}" dt="2022-05-07T15:22:58.952" v="203" actId="1076"/>
+          <ac:spMkLst>
+            <pc:docMk/>
+            <pc:sldMk cId="657292584" sldId="3217"/>
+            <ac:spMk id="3" creationId="{67012E20-C809-8653-BAC5-CD8D74A3E50A}"/>
+          </ac:spMkLst>
+        </pc:spChg>
+        <pc:spChg chg="mod">
+          <ac:chgData name="SRUSHANTH BARIDE" userId="S::ppxsb5@nottingham.ac.uk::8f8a5611-3295-433a-9119-87e3665efd01" providerId="AD" clId="Web-{7A5E178B-AED2-46A5-A066-020EB0E18D52}" dt="2022-05-07T15:11:37.632" v="17" actId="1076"/>
+          <ac:spMkLst>
+            <pc:docMk/>
+            <pc:sldMk cId="657292584" sldId="3217"/>
+            <ac:spMk id="4" creationId="{F73EF180-FE4C-F96B-6D2A-3C016A29B022}"/>
+          </ac:spMkLst>
+        </pc:spChg>
+        <pc:spChg chg="mod">
+          <ac:chgData name="SRUSHANTH BARIDE" userId="S::ppxsb5@nottingham.ac.uk::8f8a5611-3295-433a-9119-87e3665efd01" providerId="AD" clId="Web-{7A5E178B-AED2-46A5-A066-020EB0E18D52}" dt="2022-05-07T15:28:42.933" v="228" actId="14100"/>
+          <ac:spMkLst>
+            <pc:docMk/>
+            <pc:sldMk cId="657292584" sldId="3217"/>
+            <ac:spMk id="5" creationId="{668324A3-7EEC-7C1A-A229-4E22F501DD5D}"/>
+          </ac:spMkLst>
+        </pc:spChg>
+        <pc:spChg chg="add mod">
+          <ac:chgData name="SRUSHANTH BARIDE" userId="S::ppxsb5@nottingham.ac.uk::8f8a5611-3295-433a-9119-87e3665efd01" providerId="AD" clId="Web-{7A5E178B-AED2-46A5-A066-020EB0E18D52}" dt="2022-05-07T15:23:34.062" v="207" actId="20577"/>
+          <ac:spMkLst>
+            <pc:docMk/>
+            <pc:sldMk cId="657292584" sldId="3217"/>
+            <ac:spMk id="6" creationId="{50F8D9E4-F12C-A37F-FBDC-C896934200A7}"/>
+          </ac:spMkLst>
+        </pc:spChg>
+        <pc:spChg chg="add mod">
+          <ac:chgData name="SRUSHANTH BARIDE" userId="S::ppxsb5@nottingham.ac.uk::8f8a5611-3295-433a-9119-87e3665efd01" providerId="AD" clId="Web-{7A5E178B-AED2-46A5-A066-020EB0E18D52}" dt="2022-05-07T15:23:45.188" v="210" actId="1076"/>
+          <ac:spMkLst>
+            <pc:docMk/>
+            <pc:sldMk cId="657292584" sldId="3217"/>
+            <ac:spMk id="8" creationId="{67AF09D7-2621-D2C2-A5D0-60CE4DE55989}"/>
+          </ac:spMkLst>
+        </pc:spChg>
+        <pc:spChg chg="add mod">
+          <ac:chgData name="SRUSHANTH BARIDE" userId="S::ppxsb5@nottingham.ac.uk::8f8a5611-3295-433a-9119-87e3665efd01" providerId="AD" clId="Web-{7A5E178B-AED2-46A5-A066-020EB0E18D52}" dt="2022-05-07T15:23:36.547" v="208" actId="20577"/>
+          <ac:spMkLst>
+            <pc:docMk/>
+            <pc:sldMk cId="657292584" sldId="3217"/>
+            <ac:spMk id="9" creationId="{49BEB284-B6F9-544B-B24E-3F1A32455FDF}"/>
+          </ac:spMkLst>
+        </pc:spChg>
+        <pc:picChg chg="del">
+          <ac:chgData name="SRUSHANTH BARIDE" userId="S::ppxsb5@nottingham.ac.uk::8f8a5611-3295-433a-9119-87e3665efd01" providerId="AD" clId="Web-{7A5E178B-AED2-46A5-A066-020EB0E18D52}" dt="2022-05-07T15:25:35.662" v="211"/>
+          <ac:picMkLst>
+            <pc:docMk/>
+            <pc:sldMk cId="657292584" sldId="3217"/>
+            <ac:picMk id="7" creationId="{85F53466-0481-184E-C3F6-105CA24031B8}"/>
+          </ac:picMkLst>
+        </pc:picChg>
+        <pc:picChg chg="add del mod">
+          <ac:chgData name="SRUSHANTH BARIDE" userId="S::ppxsb5@nottingham.ac.uk::8f8a5611-3295-433a-9119-87e3665efd01" providerId="AD" clId="Web-{7A5E178B-AED2-46A5-A066-020EB0E18D52}" dt="2022-05-07T15:27:23.868" v="219"/>
+          <ac:picMkLst>
+            <pc:docMk/>
+            <pc:sldMk cId="657292584" sldId="3217"/>
+            <ac:picMk id="10" creationId="{6A4D19E8-160F-5415-8422-B7D36135F6DB}"/>
+          </ac:picMkLst>
+        </pc:picChg>
+        <pc:picChg chg="add del mod">
+          <ac:chgData name="SRUSHANTH BARIDE" userId="S::ppxsb5@nottingham.ac.uk::8f8a5611-3295-433a-9119-87e3665efd01" providerId="AD" clId="Web-{7A5E178B-AED2-46A5-A066-020EB0E18D52}" dt="2022-05-07T15:28:34.276" v="227"/>
+          <ac:picMkLst>
+            <pc:docMk/>
+            <pc:sldMk cId="657292584" sldId="3217"/>
+            <ac:picMk id="11" creationId="{C0012E49-468C-8E4D-F3BB-1C950E64E1CF}"/>
+          </ac:picMkLst>
+        </pc:picChg>
+        <pc:picChg chg="add mod">
+          <ac:chgData name="SRUSHANTH BARIDE" userId="S::ppxsb5@nottingham.ac.uk::8f8a5611-3295-433a-9119-87e3665efd01" providerId="AD" clId="Web-{7A5E178B-AED2-46A5-A066-020EB0E18D52}" dt="2022-05-07T15:28:47.183" v="229" actId="1076"/>
+          <ac:picMkLst>
+            <pc:docMk/>
+            <pc:sldMk cId="657292584" sldId="3217"/>
+            <ac:picMk id="12" creationId="{37442FC6-4EA9-8236-5A0D-49AB9CF26D28}"/>
+          </ac:picMkLst>
+        </pc:picChg>
+      </pc:sldChg>
+    </pc:docChg>
+  </pc:docChgLst>
+  <pc:docChgLst>
     <pc:chgData name="Mathews Roy" userId="S::psymr3@nottingham.ac.uk::4dc3f925-1554-48a5-87cb-ecb089f0f661" providerId="AD" clId="Web-{D610BDD0-7013-4947-8E8A-E7A3B4F49E70}"/>
     <pc:docChg chg="addSld modSld modSection">
       <pc:chgData name="Mathews Roy" userId="S::psymr3@nottingham.ac.uk::4dc3f925-1554-48a5-87cb-ecb089f0f661" providerId="AD" clId="Web-{D610BDD0-7013-4947-8E8A-E7A3B4F49E70}" dt="2022-05-07T15:17:28.038" v="53" actId="20577"/>
@@ -2051,102 +2149,6 @@
             <ac:spMk id="3" creationId="{FCB6866E-E20B-CB4A-8FF2-167CDF845D84}"/>
           </ac:spMkLst>
         </pc:spChg>
-      </pc:sldChg>
-    </pc:docChg>
-  </pc:docChgLst>
-  <pc:docChgLst>
-    <pc:chgData name="SRUSHANTH BARIDE" userId="S::ppxsb5@nottingham.ac.uk::8f8a5611-3295-433a-9119-87e3665efd01" providerId="AD" clId="Web-{7A5E178B-AED2-46A5-A066-020EB0E18D52}"/>
-    <pc:docChg chg="modSld">
-      <pc:chgData name="SRUSHANTH BARIDE" userId="S::ppxsb5@nottingham.ac.uk::8f8a5611-3295-433a-9119-87e3665efd01" providerId="AD" clId="Web-{7A5E178B-AED2-46A5-A066-020EB0E18D52}" dt="2022-05-07T15:28:47.183" v="229" actId="1076"/>
-      <pc:docMkLst>
-        <pc:docMk/>
-      </pc:docMkLst>
-      <pc:sldChg chg="addSp delSp modSp">
-        <pc:chgData name="SRUSHANTH BARIDE" userId="S::ppxsb5@nottingham.ac.uk::8f8a5611-3295-433a-9119-87e3665efd01" providerId="AD" clId="Web-{7A5E178B-AED2-46A5-A066-020EB0E18D52}" dt="2022-05-07T15:28:47.183" v="229" actId="1076"/>
-        <pc:sldMkLst>
-          <pc:docMk/>
-          <pc:sldMk cId="657292584" sldId="3217"/>
-        </pc:sldMkLst>
-        <pc:spChg chg="mod">
-          <ac:chgData name="SRUSHANTH BARIDE" userId="S::ppxsb5@nottingham.ac.uk::8f8a5611-3295-433a-9119-87e3665efd01" providerId="AD" clId="Web-{7A5E178B-AED2-46A5-A066-020EB0E18D52}" dt="2022-05-07T15:22:58.952" v="203" actId="1076"/>
-          <ac:spMkLst>
-            <pc:docMk/>
-            <pc:sldMk cId="657292584" sldId="3217"/>
-            <ac:spMk id="3" creationId="{67012E20-C809-8653-BAC5-CD8D74A3E50A}"/>
-          </ac:spMkLst>
-        </pc:spChg>
-        <pc:spChg chg="mod">
-          <ac:chgData name="SRUSHANTH BARIDE" userId="S::ppxsb5@nottingham.ac.uk::8f8a5611-3295-433a-9119-87e3665efd01" providerId="AD" clId="Web-{7A5E178B-AED2-46A5-A066-020EB0E18D52}" dt="2022-05-07T15:11:37.632" v="17" actId="1076"/>
-          <ac:spMkLst>
-            <pc:docMk/>
-            <pc:sldMk cId="657292584" sldId="3217"/>
-            <ac:spMk id="4" creationId="{F73EF180-FE4C-F96B-6D2A-3C016A29B022}"/>
-          </ac:spMkLst>
-        </pc:spChg>
-        <pc:spChg chg="mod">
-          <ac:chgData name="SRUSHANTH BARIDE" userId="S::ppxsb5@nottingham.ac.uk::8f8a5611-3295-433a-9119-87e3665efd01" providerId="AD" clId="Web-{7A5E178B-AED2-46A5-A066-020EB0E18D52}" dt="2022-05-07T15:28:42.933" v="228" actId="14100"/>
-          <ac:spMkLst>
-            <pc:docMk/>
-            <pc:sldMk cId="657292584" sldId="3217"/>
-            <ac:spMk id="5" creationId="{668324A3-7EEC-7C1A-A229-4E22F501DD5D}"/>
-          </ac:spMkLst>
-        </pc:spChg>
-        <pc:spChg chg="add mod">
-          <ac:chgData name="SRUSHANTH BARIDE" userId="S::ppxsb5@nottingham.ac.uk::8f8a5611-3295-433a-9119-87e3665efd01" providerId="AD" clId="Web-{7A5E178B-AED2-46A5-A066-020EB0E18D52}" dt="2022-05-07T15:23:34.062" v="207" actId="20577"/>
-          <ac:spMkLst>
-            <pc:docMk/>
-            <pc:sldMk cId="657292584" sldId="3217"/>
-            <ac:spMk id="6" creationId="{50F8D9E4-F12C-A37F-FBDC-C896934200A7}"/>
-          </ac:spMkLst>
-        </pc:spChg>
-        <pc:spChg chg="add mod">
-          <ac:chgData name="SRUSHANTH BARIDE" userId="S::ppxsb5@nottingham.ac.uk::8f8a5611-3295-433a-9119-87e3665efd01" providerId="AD" clId="Web-{7A5E178B-AED2-46A5-A066-020EB0E18D52}" dt="2022-05-07T15:23:45.188" v="210" actId="1076"/>
-          <ac:spMkLst>
-            <pc:docMk/>
-            <pc:sldMk cId="657292584" sldId="3217"/>
-            <ac:spMk id="8" creationId="{67AF09D7-2621-D2C2-A5D0-60CE4DE55989}"/>
-          </ac:spMkLst>
-        </pc:spChg>
-        <pc:spChg chg="add mod">
-          <ac:chgData name="SRUSHANTH BARIDE" userId="S::ppxsb5@nottingham.ac.uk::8f8a5611-3295-433a-9119-87e3665efd01" providerId="AD" clId="Web-{7A5E178B-AED2-46A5-A066-020EB0E18D52}" dt="2022-05-07T15:23:36.547" v="208" actId="20577"/>
-          <ac:spMkLst>
-            <pc:docMk/>
-            <pc:sldMk cId="657292584" sldId="3217"/>
-            <ac:spMk id="9" creationId="{49BEB284-B6F9-544B-B24E-3F1A32455FDF}"/>
-          </ac:spMkLst>
-        </pc:spChg>
-        <pc:picChg chg="del">
-          <ac:chgData name="SRUSHANTH BARIDE" userId="S::ppxsb5@nottingham.ac.uk::8f8a5611-3295-433a-9119-87e3665efd01" providerId="AD" clId="Web-{7A5E178B-AED2-46A5-A066-020EB0E18D52}" dt="2022-05-07T15:25:35.662" v="211"/>
-          <ac:picMkLst>
-            <pc:docMk/>
-            <pc:sldMk cId="657292584" sldId="3217"/>
-            <ac:picMk id="7" creationId="{85F53466-0481-184E-C3F6-105CA24031B8}"/>
-          </ac:picMkLst>
-        </pc:picChg>
-        <pc:picChg chg="add del mod">
-          <ac:chgData name="SRUSHANTH BARIDE" userId="S::ppxsb5@nottingham.ac.uk::8f8a5611-3295-433a-9119-87e3665efd01" providerId="AD" clId="Web-{7A5E178B-AED2-46A5-A066-020EB0E18D52}" dt="2022-05-07T15:27:23.868" v="219"/>
-          <ac:picMkLst>
-            <pc:docMk/>
-            <pc:sldMk cId="657292584" sldId="3217"/>
-            <ac:picMk id="10" creationId="{6A4D19E8-160F-5415-8422-B7D36135F6DB}"/>
-          </ac:picMkLst>
-        </pc:picChg>
-        <pc:picChg chg="add del mod">
-          <ac:chgData name="SRUSHANTH BARIDE" userId="S::ppxsb5@nottingham.ac.uk::8f8a5611-3295-433a-9119-87e3665efd01" providerId="AD" clId="Web-{7A5E178B-AED2-46A5-A066-020EB0E18D52}" dt="2022-05-07T15:28:34.276" v="227"/>
-          <ac:picMkLst>
-            <pc:docMk/>
-            <pc:sldMk cId="657292584" sldId="3217"/>
-            <ac:picMk id="11" creationId="{C0012E49-468C-8E4D-F3BB-1C950E64E1CF}"/>
-          </ac:picMkLst>
-        </pc:picChg>
-        <pc:picChg chg="add mod">
-          <ac:chgData name="SRUSHANTH BARIDE" userId="S::ppxsb5@nottingham.ac.uk::8f8a5611-3295-433a-9119-87e3665efd01" providerId="AD" clId="Web-{7A5E178B-AED2-46A5-A066-020EB0E18D52}" dt="2022-05-07T15:28:47.183" v="229" actId="1076"/>
-          <ac:picMkLst>
-            <pc:docMk/>
-            <pc:sldMk cId="657292584" sldId="3217"/>
-            <ac:picMk id="12" creationId="{37442FC6-4EA9-8236-5A0D-49AB9CF26D28}"/>
-          </ac:picMkLst>
-        </pc:picChg>
       </pc:sldChg>
     </pc:docChg>
   </pc:docChgLst>
@@ -2912,7 +2914,7 @@
     </p:spTree>
     <p:extLst>
       <p:ext uri="{BB962C8B-B14F-4D97-AF65-F5344CB8AC3E}">
-        <p14:creationId xmlns:p14="http://schemas.microsoft.com/office/powerpoint/2010/main" val="4025924669"/>
+        <p14:creationId xmlns:p14="http://schemas.microsoft.com/office/powerpoint/2010/main" val="640261454"/>
       </p:ext>
     </p:extLst>
   </p:cSld>
@@ -2996,7 +2998,7 @@
     </p:spTree>
     <p:extLst>
       <p:ext uri="{BB962C8B-B14F-4D97-AF65-F5344CB8AC3E}">
-        <p14:creationId xmlns:p14="http://schemas.microsoft.com/office/powerpoint/2010/main" val="2497841550"/>
+        <p14:creationId xmlns:p14="http://schemas.microsoft.com/office/powerpoint/2010/main" val="4025924669"/>
       </p:ext>
     </p:extLst>
   </p:cSld>
@@ -3050,10 +3052,7 @@
           <a:bodyPr/>
           <a:lstStyle/>
           <a:p>
-            <a:endParaRPr lang="en-US" dirty="0">
-              <a:ea typeface="Calibri"/>
-              <a:cs typeface="Calibri"/>
-            </a:endParaRPr>
+            <a:endParaRPr lang="en-US" dirty="0"/>
           </a:p>
         </p:txBody>
       </p:sp>
@@ -3083,7 +3082,7 @@
     </p:spTree>
     <p:extLst>
       <p:ext uri="{BB962C8B-B14F-4D97-AF65-F5344CB8AC3E}">
-        <p14:creationId xmlns:p14="http://schemas.microsoft.com/office/powerpoint/2010/main" val="53185411"/>
+        <p14:creationId xmlns:p14="http://schemas.microsoft.com/office/powerpoint/2010/main" val="2497841550"/>
       </p:ext>
     </p:extLst>
   </p:cSld>
@@ -3170,7 +3169,7 @@
     </p:spTree>
     <p:extLst>
       <p:ext uri="{BB962C8B-B14F-4D97-AF65-F5344CB8AC3E}">
-        <p14:creationId xmlns:p14="http://schemas.microsoft.com/office/powerpoint/2010/main" val="4223826036"/>
+        <p14:creationId xmlns:p14="http://schemas.microsoft.com/office/powerpoint/2010/main" val="53185411"/>
       </p:ext>
     </p:extLst>
   </p:cSld>
@@ -3257,7 +3256,7 @@
     </p:spTree>
     <p:extLst>
       <p:ext uri="{BB962C8B-B14F-4D97-AF65-F5344CB8AC3E}">
-        <p14:creationId xmlns:p14="http://schemas.microsoft.com/office/powerpoint/2010/main" val="1263988629"/>
+        <p14:creationId xmlns:p14="http://schemas.microsoft.com/office/powerpoint/2010/main" val="4223826036"/>
       </p:ext>
     </p:extLst>
   </p:cSld>
@@ -3336,6 +3335,93 @@
             <a:fld id="{7DB9E1F4-77C1-461E-ABFF-BFE7DD57AFD2}" type="slidenum">
               <a:rPr lang="en-GB" smtClean="0"/>
               <a:t>9</a:t>
+            </a:fld>
+            <a:endParaRPr lang="en-GB"/>
+          </a:p>
+        </p:txBody>
+      </p:sp>
+    </p:spTree>
+    <p:extLst>
+      <p:ext uri="{BB962C8B-B14F-4D97-AF65-F5344CB8AC3E}">
+        <p14:creationId xmlns:p14="http://schemas.microsoft.com/office/powerpoint/2010/main" val="1263988629"/>
+      </p:ext>
+    </p:extLst>
+  </p:cSld>
+  <p:clrMapOvr>
+    <a:masterClrMapping/>
+  </p:clrMapOvr>
+</p:notes>
+</file>
+
+<file path=ppt/notesSlides/notesSlide9.xml><?xml version="1.0" encoding="utf-8"?>
+<p:notes xmlns:a="http://schemas.openxmlformats.org/drawingml/2006/main" xmlns:r="http://schemas.openxmlformats.org/officeDocument/2006/relationships" xmlns:p="http://schemas.openxmlformats.org/presentationml/2006/main">
+  <p:cSld>
+    <p:spTree>
+      <p:nvGrpSpPr>
+        <p:cNvPr id="1" name=""/>
+        <p:cNvGrpSpPr/>
+        <p:nvPr/>
+      </p:nvGrpSpPr>
+      <p:grpSpPr>
+        <a:xfrm>
+          <a:off x="0" y="0"/>
+          <a:ext cx="0" cy="0"/>
+          <a:chOff x="0" y="0"/>
+          <a:chExt cx="0" cy="0"/>
+        </a:xfrm>
+      </p:grpSpPr>
+      <p:sp>
+        <p:nvSpPr>
+          <p:cNvPr id="2" name="Slide Image Placeholder 1"/>
+          <p:cNvSpPr>
+            <a:spLocks noGrp="1" noRot="1" noChangeAspect="1"/>
+          </p:cNvSpPr>
+          <p:nvPr>
+            <p:ph type="sldImg"/>
+          </p:nvPr>
+        </p:nvSpPr>
+        <p:spPr/>
+      </p:sp>
+      <p:sp>
+        <p:nvSpPr>
+          <p:cNvPr id="3" name="Notes Placeholder 2"/>
+          <p:cNvSpPr>
+            <a:spLocks noGrp="1"/>
+          </p:cNvSpPr>
+          <p:nvPr>
+            <p:ph type="body" idx="1"/>
+          </p:nvPr>
+        </p:nvSpPr>
+        <p:spPr/>
+        <p:txBody>
+          <a:bodyPr/>
+          <a:lstStyle/>
+          <a:p>
+            <a:endParaRPr lang="en-US" dirty="0">
+              <a:ea typeface="Calibri"/>
+              <a:cs typeface="Calibri"/>
+            </a:endParaRPr>
+          </a:p>
+        </p:txBody>
+      </p:sp>
+      <p:sp>
+        <p:nvSpPr>
+          <p:cNvPr id="4" name="Slide Number Placeholder 3"/>
+          <p:cNvSpPr>
+            <a:spLocks noGrp="1"/>
+          </p:cNvSpPr>
+          <p:nvPr>
+            <p:ph type="sldNum" sz="quarter" idx="5"/>
+          </p:nvPr>
+        </p:nvSpPr>
+        <p:spPr/>
+        <p:txBody>
+          <a:bodyPr/>
+          <a:lstStyle/>
+          <a:p>
+            <a:fld id="{7DB9E1F4-77C1-461E-ABFF-BFE7DD57AFD2}" type="slidenum">
+              <a:rPr lang="en-GB" smtClean="0"/>
+              <a:t>10</a:t>
             </a:fld>
             <a:endParaRPr lang="en-GB"/>
           </a:p>
@@ -7290,7 +7376,7 @@
         <p:spPr>
           <a:xfrm>
             <a:off x="2107788" y="2284241"/>
-            <a:ext cx="7976424" cy="2289517"/>
+            <a:ext cx="7976424" cy="3059284"/>
           </a:xfrm>
           <a:prstGeom prst="rect">
             <a:avLst/>
@@ -7469,6 +7555,16 @@
                 <a:latin typeface="Calibri"/>
                 <a:cs typeface="Calibri"/>
               </a:rPr>
+              <a:t>Face Recognition Applications</a:t>
+            </a:r>
+          </a:p>
+          <a:p>
+            <a:pPr lvl="2"/>
+            <a:r>
+              <a:rPr lang="en-GB" sz="2800" dirty="0">
+                <a:latin typeface="Calibri"/>
+                <a:cs typeface="Calibri"/>
+              </a:rPr>
               <a:t>Steps taken</a:t>
             </a:r>
           </a:p>
@@ -7561,6 +7657,354 @@
           <p:cNvPr id="2" name="Title 1">
             <a:extLst>
               <a:ext uri="{FF2B5EF4-FFF2-40B4-BE49-F238E27FC236}">
+                <a16:creationId xmlns:a16="http://schemas.microsoft.com/office/drawing/2014/main" id="{8090C6C1-9456-F9AE-A056-28A2F7BAF256}"/>
+              </a:ext>
+            </a:extLst>
+          </p:cNvPr>
+          <p:cNvSpPr>
+            <a:spLocks noGrp="1"/>
+          </p:cNvSpPr>
+          <p:nvPr>
+            <p:ph type="title"/>
+          </p:nvPr>
+        </p:nvSpPr>
+        <p:spPr/>
+        <p:txBody>
+          <a:bodyPr/>
+          <a:lstStyle/>
+          <a:p>
+            <a:r>
+              <a:rPr lang="en-US" dirty="0">
+                <a:cs typeface="Arial"/>
+              </a:rPr>
+              <a:t>Face Recognition Applications</a:t>
+            </a:r>
+            <a:endParaRPr lang="en-US" dirty="0"/>
+          </a:p>
+        </p:txBody>
+      </p:sp>
+      <p:sp>
+        <p:nvSpPr>
+          <p:cNvPr id="5" name="Content Placeholder 2">
+            <a:extLst>
+              <a:ext uri="{FF2B5EF4-FFF2-40B4-BE49-F238E27FC236}">
+                <a16:creationId xmlns:a16="http://schemas.microsoft.com/office/drawing/2014/main" id="{EEFEB994-B91D-61E2-12A0-973EA8D03974}"/>
+              </a:ext>
+            </a:extLst>
+          </p:cNvPr>
+          <p:cNvSpPr txBox="1">
+            <a:spLocks/>
+          </p:cNvSpPr>
+          <p:nvPr/>
+        </p:nvSpPr>
+        <p:spPr>
+          <a:xfrm>
+            <a:off x="-600075" y="1207916"/>
+            <a:ext cx="6248400" cy="2944984"/>
+          </a:xfrm>
+          <a:prstGeom prst="rect">
+            <a:avLst/>
+          </a:prstGeom>
+        </p:spPr>
+        <p:txBody>
+          <a:bodyPr lIns="91440" tIns="45720" rIns="91440" bIns="45720" anchor="t"/>
+          <a:lstStyle>
+            <a:lvl1pPr marL="228600" indent="-228600" algn="l" defTabSz="914400" rtl="0" eaLnBrk="1" latinLnBrk="0" hangingPunct="1">
+              <a:lnSpc>
+                <a:spcPct val="90000"/>
+              </a:lnSpc>
+              <a:spcBef>
+                <a:spcPts val="1000"/>
+              </a:spcBef>
+              <a:buFont typeface="Arial" panose="020B0604020202020204" pitchFamily="34" charset="0"/>
+              <a:buChar char="•"/>
+              <a:defRPr sz="2800" kern="1200">
+                <a:solidFill>
+                  <a:schemeClr val="tx1"/>
+                </a:solidFill>
+                <a:latin typeface="+mn-lt"/>
+                <a:ea typeface="+mn-ea"/>
+                <a:cs typeface="+mn-cs"/>
+              </a:defRPr>
+            </a:lvl1pPr>
+            <a:lvl2pPr marL="685800" indent="-228600" algn="l" defTabSz="914400" rtl="0" eaLnBrk="1" latinLnBrk="0" hangingPunct="1">
+              <a:lnSpc>
+                <a:spcPct val="90000"/>
+              </a:lnSpc>
+              <a:spcBef>
+                <a:spcPts val="500"/>
+              </a:spcBef>
+              <a:buFont typeface="Arial" panose="020B0604020202020204" pitchFamily="34" charset="0"/>
+              <a:buChar char="•"/>
+              <a:defRPr sz="2400" kern="1200">
+                <a:solidFill>
+                  <a:schemeClr val="tx1"/>
+                </a:solidFill>
+                <a:latin typeface="+mn-lt"/>
+                <a:ea typeface="+mn-ea"/>
+                <a:cs typeface="+mn-cs"/>
+              </a:defRPr>
+            </a:lvl2pPr>
+            <a:lvl3pPr marL="1143000" indent="-228600" algn="l" defTabSz="914400" rtl="0" eaLnBrk="1" latinLnBrk="0" hangingPunct="1">
+              <a:lnSpc>
+                <a:spcPct val="90000"/>
+              </a:lnSpc>
+              <a:spcBef>
+                <a:spcPts val="500"/>
+              </a:spcBef>
+              <a:buFont typeface="Arial" panose="020B0604020202020204" pitchFamily="34" charset="0"/>
+              <a:buChar char="•"/>
+              <a:defRPr sz="2000" kern="1200">
+                <a:solidFill>
+                  <a:schemeClr val="tx1"/>
+                </a:solidFill>
+                <a:latin typeface="+mn-lt"/>
+                <a:ea typeface="+mn-ea"/>
+                <a:cs typeface="+mn-cs"/>
+              </a:defRPr>
+            </a:lvl3pPr>
+            <a:lvl4pPr marL="1600200" indent="-228600" algn="l" defTabSz="914400" rtl="0" eaLnBrk="1" latinLnBrk="0" hangingPunct="1">
+              <a:lnSpc>
+                <a:spcPct val="90000"/>
+              </a:lnSpc>
+              <a:spcBef>
+                <a:spcPts val="500"/>
+              </a:spcBef>
+              <a:buFont typeface="Arial" panose="020B0604020202020204" pitchFamily="34" charset="0"/>
+              <a:buChar char="•"/>
+              <a:defRPr sz="1800" kern="1200">
+                <a:solidFill>
+                  <a:schemeClr val="tx1"/>
+                </a:solidFill>
+                <a:latin typeface="+mn-lt"/>
+                <a:ea typeface="+mn-ea"/>
+                <a:cs typeface="+mn-cs"/>
+              </a:defRPr>
+            </a:lvl4pPr>
+            <a:lvl5pPr marL="2057400" indent="-228600" algn="l" defTabSz="914400" rtl="0" eaLnBrk="1" latinLnBrk="0" hangingPunct="1">
+              <a:lnSpc>
+                <a:spcPct val="90000"/>
+              </a:lnSpc>
+              <a:spcBef>
+                <a:spcPts val="500"/>
+              </a:spcBef>
+              <a:buFont typeface="Arial" panose="020B0604020202020204" pitchFamily="34" charset="0"/>
+              <a:buChar char="•"/>
+              <a:defRPr sz="1800" kern="1200">
+                <a:solidFill>
+                  <a:schemeClr val="tx1"/>
+                </a:solidFill>
+                <a:latin typeface="+mn-lt"/>
+                <a:ea typeface="+mn-ea"/>
+                <a:cs typeface="+mn-cs"/>
+              </a:defRPr>
+            </a:lvl5pPr>
+            <a:lvl6pPr marL="2514600" indent="-228600" algn="l" defTabSz="914400" rtl="0" eaLnBrk="1" latinLnBrk="0" hangingPunct="1">
+              <a:lnSpc>
+                <a:spcPct val="90000"/>
+              </a:lnSpc>
+              <a:spcBef>
+                <a:spcPts val="500"/>
+              </a:spcBef>
+              <a:buFont typeface="Arial" panose="020B0604020202020204" pitchFamily="34" charset="0"/>
+              <a:buChar char="•"/>
+              <a:defRPr sz="1800" kern="1200">
+                <a:solidFill>
+                  <a:schemeClr val="tx1"/>
+                </a:solidFill>
+                <a:latin typeface="+mn-lt"/>
+                <a:ea typeface="+mn-ea"/>
+                <a:cs typeface="+mn-cs"/>
+              </a:defRPr>
+            </a:lvl6pPr>
+            <a:lvl7pPr marL="2971800" indent="-228600" algn="l" defTabSz="914400" rtl="0" eaLnBrk="1" latinLnBrk="0" hangingPunct="1">
+              <a:lnSpc>
+                <a:spcPct val="90000"/>
+              </a:lnSpc>
+              <a:spcBef>
+                <a:spcPts val="500"/>
+              </a:spcBef>
+              <a:buFont typeface="Arial" panose="020B0604020202020204" pitchFamily="34" charset="0"/>
+              <a:buChar char="•"/>
+              <a:defRPr sz="1800" kern="1200">
+                <a:solidFill>
+                  <a:schemeClr val="tx1"/>
+                </a:solidFill>
+                <a:latin typeface="+mn-lt"/>
+                <a:ea typeface="+mn-ea"/>
+                <a:cs typeface="+mn-cs"/>
+              </a:defRPr>
+            </a:lvl7pPr>
+            <a:lvl8pPr marL="3429000" indent="-228600" algn="l" defTabSz="914400" rtl="0" eaLnBrk="1" latinLnBrk="0" hangingPunct="1">
+              <a:lnSpc>
+                <a:spcPct val="90000"/>
+              </a:lnSpc>
+              <a:spcBef>
+                <a:spcPts val="500"/>
+              </a:spcBef>
+              <a:buFont typeface="Arial" panose="020B0604020202020204" pitchFamily="34" charset="0"/>
+              <a:buChar char="•"/>
+              <a:defRPr sz="1800" kern="1200">
+                <a:solidFill>
+                  <a:schemeClr val="tx1"/>
+                </a:solidFill>
+                <a:latin typeface="+mn-lt"/>
+                <a:ea typeface="+mn-ea"/>
+                <a:cs typeface="+mn-cs"/>
+              </a:defRPr>
+            </a:lvl8pPr>
+            <a:lvl9pPr marL="3886200" indent="-228600" algn="l" defTabSz="914400" rtl="0" eaLnBrk="1" latinLnBrk="0" hangingPunct="1">
+              <a:lnSpc>
+                <a:spcPct val="90000"/>
+              </a:lnSpc>
+              <a:spcBef>
+                <a:spcPts val="500"/>
+              </a:spcBef>
+              <a:buFont typeface="Arial" panose="020B0604020202020204" pitchFamily="34" charset="0"/>
+              <a:buChar char="•"/>
+              <a:defRPr sz="1800" kern="1200">
+                <a:solidFill>
+                  <a:schemeClr val="tx1"/>
+                </a:solidFill>
+                <a:latin typeface="+mn-lt"/>
+                <a:ea typeface="+mn-ea"/>
+                <a:cs typeface="+mn-cs"/>
+              </a:defRPr>
+            </a:lvl9pPr>
+          </a:lstStyle>
+          <a:p>
+            <a:pPr lvl="2"/>
+            <a:r>
+              <a:rPr lang="en-GB" sz="2800" dirty="0">
+                <a:latin typeface="Calibri"/>
+                <a:cs typeface="Calibri"/>
+              </a:rPr>
+              <a:t>Face recognition is used in</a:t>
+            </a:r>
+          </a:p>
+          <a:p>
+            <a:pPr lvl="3"/>
+            <a:r>
+              <a:rPr lang="en-GB" sz="2600" dirty="0">
+                <a:latin typeface="Calibri"/>
+                <a:cs typeface="Calibri"/>
+              </a:rPr>
+              <a:t>Surveillance Systems</a:t>
+            </a:r>
+          </a:p>
+          <a:p>
+            <a:pPr lvl="3"/>
+            <a:r>
+              <a:rPr lang="en-GB" sz="2600" dirty="0">
+                <a:latin typeface="Calibri"/>
+                <a:cs typeface="Calibri"/>
+              </a:rPr>
+              <a:t>Security</a:t>
+            </a:r>
+          </a:p>
+          <a:p>
+            <a:pPr lvl="4"/>
+            <a:r>
+              <a:rPr lang="en-GB" sz="2600" dirty="0">
+                <a:latin typeface="Calibri"/>
+                <a:cs typeface="Calibri"/>
+              </a:rPr>
+              <a:t>Access Control</a:t>
+            </a:r>
+          </a:p>
+          <a:p>
+            <a:pPr lvl="3"/>
+            <a:r>
+              <a:rPr lang="en-GB" sz="2600" dirty="0">
+                <a:latin typeface="Calibri"/>
+                <a:cs typeface="Calibri"/>
+              </a:rPr>
+              <a:t>Biometric</a:t>
+            </a:r>
+          </a:p>
+          <a:p>
+            <a:pPr lvl="4"/>
+            <a:r>
+              <a:rPr lang="en-GB" sz="2600" dirty="0">
+                <a:latin typeface="Calibri"/>
+                <a:cs typeface="Calibri"/>
+              </a:rPr>
+              <a:t>Facilitate Secure Transactions</a:t>
+            </a:r>
+          </a:p>
+          <a:p>
+            <a:pPr lvl="3"/>
+            <a:r>
+              <a:rPr lang="en-GB" sz="2600" dirty="0">
+                <a:latin typeface="Calibri"/>
+                <a:cs typeface="Calibri"/>
+              </a:rPr>
+              <a:t>Video Indexing</a:t>
+            </a:r>
+          </a:p>
+          <a:p>
+            <a:pPr lvl="3"/>
+            <a:r>
+              <a:rPr lang="en-GB" sz="2600" dirty="0">
+                <a:latin typeface="Calibri"/>
+                <a:cs typeface="Calibri"/>
+              </a:rPr>
+              <a:t>Crime Prevention</a:t>
+            </a:r>
+            <a:endParaRPr lang="en-GB" sz="2800" dirty="0">
+              <a:latin typeface="Calibri"/>
+              <a:cs typeface="Calibri"/>
+            </a:endParaRPr>
+          </a:p>
+        </p:txBody>
+      </p:sp>
+    </p:spTree>
+    <p:extLst>
+      <p:ext uri="{BB962C8B-B14F-4D97-AF65-F5344CB8AC3E}">
+        <p14:creationId xmlns:p14="http://schemas.microsoft.com/office/powerpoint/2010/main" val="776845779"/>
+      </p:ext>
+    </p:extLst>
+  </p:cSld>
+  <p:clrMapOvr>
+    <a:masterClrMapping/>
+  </p:clrMapOvr>
+  <mc:AlternateContent xmlns:mc="http://schemas.openxmlformats.org/markup-compatibility/2006">
+    <mc:Choice xmlns:p14="http://schemas.microsoft.com/office/powerpoint/2010/main" Requires="p14">
+      <p:transition spd="med" p14:dur="700">
+        <p:fade/>
+      </p:transition>
+    </mc:Choice>
+    <mc:Fallback>
+      <p:transition spd="med">
+        <p:fade/>
+      </p:transition>
+    </mc:Fallback>
+  </mc:AlternateContent>
+</p:sld>
+</file>
+
+<file path=ppt/slides/slide4.xml><?xml version="1.0" encoding="utf-8"?>
+<p:sld xmlns:a="http://schemas.openxmlformats.org/drawingml/2006/main" xmlns:r="http://schemas.openxmlformats.org/officeDocument/2006/relationships" xmlns:p="http://schemas.openxmlformats.org/presentationml/2006/main">
+  <p:cSld>
+    <p:spTree>
+      <p:nvGrpSpPr>
+        <p:cNvPr id="1" name=""/>
+        <p:cNvGrpSpPr/>
+        <p:nvPr/>
+      </p:nvGrpSpPr>
+      <p:grpSpPr>
+        <a:xfrm>
+          <a:off x="0" y="0"/>
+          <a:ext cx="0" cy="0"/>
+          <a:chOff x="0" y="0"/>
+          <a:chExt cx="0" cy="0"/>
+        </a:xfrm>
+      </p:grpSpPr>
+      <p:sp>
+        <p:nvSpPr>
+          <p:cNvPr id="2" name="Title 1">
+            <a:extLst>
+              <a:ext uri="{FF2B5EF4-FFF2-40B4-BE49-F238E27FC236}">
                 <a16:creationId xmlns:a16="http://schemas.microsoft.com/office/drawing/2014/main" id="{0C9C35E1-FBBE-9440-912E-4711DA592DBD}"/>
               </a:ext>
             </a:extLst>
@@ -7601,8 +8045,8 @@
         </p:nvSpPr>
         <p:spPr>
           <a:xfrm>
-            <a:off x="266987" y="1821327"/>
-            <a:ext cx="11801188" cy="4154984"/>
+            <a:off x="286036" y="1065758"/>
+            <a:ext cx="11905963" cy="5262979"/>
           </a:xfrm>
           <a:prstGeom prst="rect">
             <a:avLst/>
@@ -7666,7 +8110,33 @@
                 <a:latin typeface="+mj-lt"/>
                 <a:cs typeface="Arial"/>
               </a:rPr>
+              <a:t>Distance between facial features</a:t>
+            </a:r>
+          </a:p>
+          <a:p>
+            <a:pPr marL="914400" lvl="1" indent="-457200">
+              <a:buFont typeface="+mj-lt"/>
+              <a:buAutoNum type="arabicPeriod"/>
+            </a:pPr>
+            <a:r>
+              <a:rPr lang="en-GB" sz="2400" dirty="0">
+                <a:latin typeface="+mj-lt"/>
+                <a:cs typeface="Arial"/>
+              </a:rPr>
               <a:t>Deep Learning</a:t>
+            </a:r>
+          </a:p>
+          <a:p>
+            <a:pPr marL="914400" lvl="1" indent="-457200">
+              <a:buFont typeface="+mj-lt"/>
+              <a:buAutoNum type="arabicPeriod"/>
+            </a:pPr>
+            <a:r>
+              <a:rPr lang="en-GB" sz="2400" dirty="0">
+                <a:latin typeface="+mj-lt"/>
+                <a:cs typeface="Arial"/>
+              </a:rPr>
+              <a:t>Decision Trees</a:t>
             </a:r>
           </a:p>
           <a:p>
@@ -7719,6 +8189,32 @@
                 <a:cs typeface="Arial"/>
               </a:rPr>
               <a:t>Refine the model if the accuracy is not adequate</a:t>
+            </a:r>
+          </a:p>
+          <a:p>
+            <a:pPr marL="914400" lvl="1" indent="-457200">
+              <a:buFont typeface="+mj-lt"/>
+              <a:buAutoNum type="arabicPeriod"/>
+            </a:pPr>
+            <a:r>
+              <a:rPr lang="en-GB" sz="2400" dirty="0">
+                <a:latin typeface="+mj-lt"/>
+                <a:cs typeface="Arial"/>
+              </a:rPr>
+              <a:t>Choose a different model</a:t>
+            </a:r>
+          </a:p>
+          <a:p>
+            <a:pPr marL="914400" lvl="1" indent="-457200">
+              <a:buFont typeface="+mj-lt"/>
+              <a:buAutoNum type="arabicPeriod"/>
+            </a:pPr>
+            <a:r>
+              <a:rPr lang="en-GB" sz="2400" dirty="0">
+                <a:latin typeface="+mj-lt"/>
+                <a:cs typeface="Arial"/>
+              </a:rPr>
+              <a:t>Change hyper-parameters</a:t>
             </a:r>
           </a:p>
           <a:p>
@@ -7774,7 +8270,7 @@
 </p:sld>
 </file>
 
-<file path=ppt/slides/slide4.xml><?xml version="1.0" encoding="utf-8"?>
+<file path=ppt/slides/slide5.xml><?xml version="1.0" encoding="utf-8"?>
 <p:sld xmlns:a="http://schemas.openxmlformats.org/drawingml/2006/main" xmlns:r="http://schemas.openxmlformats.org/officeDocument/2006/relationships" xmlns:p="http://schemas.openxmlformats.org/presentationml/2006/main">
   <p:cSld>
     <p:spTree>
@@ -7961,7 +8457,7 @@
 </p:sld>
 </file>
 
-<file path=ppt/slides/slide5.xml><?xml version="1.0" encoding="utf-8"?>
+<file path=ppt/slides/slide6.xml><?xml version="1.0" encoding="utf-8"?>
 <p:sld xmlns:a="http://schemas.openxmlformats.org/drawingml/2006/main" xmlns:r="http://schemas.openxmlformats.org/officeDocument/2006/relationships" xmlns:p="http://schemas.openxmlformats.org/presentationml/2006/main">
   <p:cSld>
     <p:spTree>
@@ -8198,7 +8694,7 @@
 </p:sld>
 </file>
 
-<file path=ppt/slides/slide6.xml><?xml version="1.0" encoding="utf-8"?>
+<file path=ppt/slides/slide7.xml><?xml version="1.0" encoding="utf-8"?>
 <p:sld xmlns:a="http://schemas.openxmlformats.org/drawingml/2006/main" xmlns:r="http://schemas.openxmlformats.org/officeDocument/2006/relationships" xmlns:p="http://schemas.openxmlformats.org/presentationml/2006/main">
   <p:cSld>
     <p:spTree>
@@ -8472,7 +8968,7 @@
 </p:sld>
 </file>
 
-<file path=ppt/slides/slide7.xml><?xml version="1.0" encoding="utf-8"?>
+<file path=ppt/slides/slide8.xml><?xml version="1.0" encoding="utf-8"?>
 <p:sld xmlns:a="http://schemas.openxmlformats.org/drawingml/2006/main" xmlns:r="http://schemas.openxmlformats.org/officeDocument/2006/relationships" xmlns:p="http://schemas.openxmlformats.org/presentationml/2006/main">
   <p:cSld>
     <p:spTree>
@@ -8616,7 +9112,7 @@
 </p:sld>
 </file>
 
-<file path=ppt/slides/slide8.xml><?xml version="1.0" encoding="utf-8"?>
+<file path=ppt/slides/slide9.xml><?xml version="1.0" encoding="utf-8"?>
 <p:sld xmlns:a="http://schemas.openxmlformats.org/drawingml/2006/main" xmlns:r="http://schemas.openxmlformats.org/officeDocument/2006/relationships" xmlns:p="http://schemas.openxmlformats.org/presentationml/2006/main">
   <p:cSld>
     <p:spTree>
